--- a/Presentation/Presentation_slides.pptx
+++ b/Presentation/Presentation_slides.pptx
@@ -19,12 +19,14 @@
     <p:sldId id="277" r:id="rId13"/>
     <p:sldId id="276" r:id="rId14"/>
     <p:sldId id="279" r:id="rId15"/>
-    <p:sldId id="278" r:id="rId16"/>
-    <p:sldId id="280" r:id="rId17"/>
+    <p:sldId id="287" r:id="rId16"/>
+    <p:sldId id="278" r:id="rId17"/>
     <p:sldId id="281" r:id="rId18"/>
     <p:sldId id="282" r:id="rId19"/>
-    <p:sldId id="283" r:id="rId20"/>
-    <p:sldId id="284" r:id="rId21"/>
+    <p:sldId id="285" r:id="rId20"/>
+    <p:sldId id="286" r:id="rId21"/>
+    <p:sldId id="283" r:id="rId22"/>
+    <p:sldId id="284" r:id="rId23"/>
   </p:sldIdLst>
   <p:sldSz cx="12192000" cy="6858000"/>
   <p:notesSz cx="6858000" cy="9144000"/>
@@ -289,7 +291,7 @@
           <a:p>
             <a:fld id="{FE958F5B-3154-2A43-8D52-62B33F0CCEF4}" type="datetimeFigureOut">
               <a:rPr lang="en-US" smtClean="0"/>
-              <a:t>5/8/20</a:t>
+              <a:t>5/14/20</a:t>
             </a:fld>
             <a:endParaRPr lang="en-US"/>
           </a:p>
@@ -487,7 +489,7 @@
           <a:p>
             <a:fld id="{FE958F5B-3154-2A43-8D52-62B33F0CCEF4}" type="datetimeFigureOut">
               <a:rPr lang="en-US" smtClean="0"/>
-              <a:t>5/8/20</a:t>
+              <a:t>5/14/20</a:t>
             </a:fld>
             <a:endParaRPr lang="en-US"/>
           </a:p>
@@ -695,7 +697,7 @@
           <a:p>
             <a:fld id="{FE958F5B-3154-2A43-8D52-62B33F0CCEF4}" type="datetimeFigureOut">
               <a:rPr lang="en-US" smtClean="0"/>
-              <a:t>5/8/20</a:t>
+              <a:t>5/14/20</a:t>
             </a:fld>
             <a:endParaRPr lang="en-US"/>
           </a:p>
@@ -893,7 +895,7 @@
           <a:p>
             <a:fld id="{FE958F5B-3154-2A43-8D52-62B33F0CCEF4}" type="datetimeFigureOut">
               <a:rPr lang="en-US" smtClean="0"/>
-              <a:t>5/8/20</a:t>
+              <a:t>5/14/20</a:t>
             </a:fld>
             <a:endParaRPr lang="en-US"/>
           </a:p>
@@ -1168,7 +1170,7 @@
           <a:p>
             <a:fld id="{FE958F5B-3154-2A43-8D52-62B33F0CCEF4}" type="datetimeFigureOut">
               <a:rPr lang="en-US" smtClean="0"/>
-              <a:t>5/8/20</a:t>
+              <a:t>5/14/20</a:t>
             </a:fld>
             <a:endParaRPr lang="en-US"/>
           </a:p>
@@ -1433,7 +1435,7 @@
           <a:p>
             <a:fld id="{FE958F5B-3154-2A43-8D52-62B33F0CCEF4}" type="datetimeFigureOut">
               <a:rPr lang="en-US" smtClean="0"/>
-              <a:t>5/8/20</a:t>
+              <a:t>5/14/20</a:t>
             </a:fld>
             <a:endParaRPr lang="en-US"/>
           </a:p>
@@ -1845,7 +1847,7 @@
           <a:p>
             <a:fld id="{FE958F5B-3154-2A43-8D52-62B33F0CCEF4}" type="datetimeFigureOut">
               <a:rPr lang="en-US" smtClean="0"/>
-              <a:t>5/8/20</a:t>
+              <a:t>5/14/20</a:t>
             </a:fld>
             <a:endParaRPr lang="en-US"/>
           </a:p>
@@ -1986,7 +1988,7 @@
           <a:p>
             <a:fld id="{FE958F5B-3154-2A43-8D52-62B33F0CCEF4}" type="datetimeFigureOut">
               <a:rPr lang="en-US" smtClean="0"/>
-              <a:t>5/8/20</a:t>
+              <a:t>5/14/20</a:t>
             </a:fld>
             <a:endParaRPr lang="en-US"/>
           </a:p>
@@ -2099,7 +2101,7 @@
           <a:p>
             <a:fld id="{FE958F5B-3154-2A43-8D52-62B33F0CCEF4}" type="datetimeFigureOut">
               <a:rPr lang="en-US" smtClean="0"/>
-              <a:t>5/8/20</a:t>
+              <a:t>5/14/20</a:t>
             </a:fld>
             <a:endParaRPr lang="en-US"/>
           </a:p>
@@ -2410,7 +2412,7 @@
           <a:p>
             <a:fld id="{FE958F5B-3154-2A43-8D52-62B33F0CCEF4}" type="datetimeFigureOut">
               <a:rPr lang="en-US" smtClean="0"/>
-              <a:t>5/8/20</a:t>
+              <a:t>5/14/20</a:t>
             </a:fld>
             <a:endParaRPr lang="en-US"/>
           </a:p>
@@ -2698,7 +2700,7 @@
           <a:p>
             <a:fld id="{FE958F5B-3154-2A43-8D52-62B33F0CCEF4}" type="datetimeFigureOut">
               <a:rPr lang="en-US" smtClean="0"/>
-              <a:t>5/8/20</a:t>
+              <a:t>5/14/20</a:t>
             </a:fld>
             <a:endParaRPr lang="en-US"/>
           </a:p>
@@ -2939,7 +2941,7 @@
           <a:p>
             <a:fld id="{FE958F5B-3154-2A43-8D52-62B33F0CCEF4}" type="datetimeFigureOut">
               <a:rPr lang="en-US" smtClean="0"/>
-              <a:t>5/8/20</a:t>
+              <a:t>5/14/20</a:t>
             </a:fld>
             <a:endParaRPr lang="en-US"/>
           </a:p>
@@ -3372,7 +3374,12 @@
             <p:ph type="ctrTitle"/>
           </p:nvPr>
         </p:nvSpPr>
-        <p:spPr/>
+        <p:spPr>
+          <a:xfrm>
+            <a:off x="1510146" y="720581"/>
+            <a:ext cx="9144000" cy="2387600"/>
+          </a:xfrm>
+        </p:spPr>
         <p:txBody>
           <a:bodyPr/>
           <a:lstStyle/>
@@ -3400,10 +3407,15 @@
             <p:ph type="subTitle" idx="1"/>
           </p:nvPr>
         </p:nvSpPr>
-        <p:spPr/>
+        <p:spPr>
+          <a:xfrm>
+            <a:off x="1510146" y="3200257"/>
+            <a:ext cx="9144000" cy="1371744"/>
+          </a:xfrm>
+        </p:spPr>
         <p:txBody>
           <a:bodyPr>
-            <a:normAutofit lnSpcReduction="10000"/>
+            <a:normAutofit/>
           </a:bodyPr>
           <a:lstStyle/>
           <a:p>
@@ -3420,9 +3432,6 @@
             <a:endParaRPr lang="en-US" dirty="0"/>
           </a:p>
           <a:p>
-            <a:endParaRPr lang="en-US" dirty="0"/>
-          </a:p>
-          <a:p>
             <a:r>
               <a:rPr lang="en-US" dirty="0"/>
               <a:t>A. </a:t>
@@ -3432,6 +3441,82 @@
               <a:t>Ponsero</a:t>
             </a:r>
             <a:endParaRPr lang="en-US" dirty="0"/>
+          </a:p>
+        </p:txBody>
+      </p:sp>
+      <p:sp>
+        <p:nvSpPr>
+          <p:cNvPr id="4" name="Rectangle 3">
+            <a:extLst>
+              <a:ext uri="{FF2B5EF4-FFF2-40B4-BE49-F238E27FC236}">
+                <a16:creationId xmlns:a16="http://schemas.microsoft.com/office/drawing/2014/main" id="{A45EC58D-CD10-2842-8733-CDD4FD39E9FE}"/>
+              </a:ext>
+            </a:extLst>
+          </p:cNvPr>
+          <p:cNvSpPr/>
+          <p:nvPr/>
+        </p:nvSpPr>
+        <p:spPr>
+          <a:xfrm>
+            <a:off x="1136073" y="5209308"/>
+            <a:ext cx="10044545" cy="1094509"/>
+          </a:xfrm>
+          <a:prstGeom prst="rect">
+            <a:avLst/>
+          </a:prstGeom>
+        </p:spPr>
+        <p:style>
+          <a:lnRef idx="2">
+            <a:schemeClr val="accent1">
+              <a:shade val="50000"/>
+            </a:schemeClr>
+          </a:lnRef>
+          <a:fillRef idx="1">
+            <a:schemeClr val="accent1"/>
+          </a:fillRef>
+          <a:effectRef idx="0">
+            <a:schemeClr val="accent1"/>
+          </a:effectRef>
+          <a:fontRef idx="minor">
+            <a:schemeClr val="lt1"/>
+          </a:fontRef>
+        </p:style>
+        <p:txBody>
+          <a:bodyPr rtlCol="0" anchor="ctr"/>
+          <a:lstStyle/>
+          <a:p>
+            <a:pPr algn="ctr"/>
+            <a:r>
+              <a:rPr lang="en-US" dirty="0"/>
+              <a:t>The code, presentation and tutorial for this workshop is accessible at:</a:t>
+            </a:r>
+          </a:p>
+          <a:p>
+            <a:pPr algn="ctr"/>
+            <a:endParaRPr lang="en-US" dirty="0"/>
+          </a:p>
+          <a:p>
+            <a:pPr algn="ctr"/>
+            <a:r>
+              <a:rPr lang="en-US" dirty="0"/>
+              <a:t>https://</a:t>
+            </a:r>
+            <a:r>
+              <a:rPr lang="en-US" dirty="0" err="1"/>
+              <a:t>github.com</a:t>
+            </a:r>
+            <a:r>
+              <a:rPr lang="en-US" dirty="0"/>
+              <a:t>/</a:t>
+            </a:r>
+            <a:r>
+              <a:rPr lang="en-US" dirty="0" err="1"/>
+              <a:t>aponsero</a:t>
+            </a:r>
+            <a:r>
+              <a:rPr lang="en-US" dirty="0"/>
+              <a:t>/Shiny_app_workshop_2020</a:t>
+            </a:r>
           </a:p>
         </p:txBody>
       </p:sp>
@@ -6640,10 +6725,10 @@
       </p:sp>
       <p:sp>
         <p:nvSpPr>
-          <p:cNvPr id="22" name="Rectangle 21">
-            <a:extLst>
-              <a:ext uri="{FF2B5EF4-FFF2-40B4-BE49-F238E27FC236}">
-                <a16:creationId xmlns:a16="http://schemas.microsoft.com/office/drawing/2014/main" id="{3B799D2F-3404-174D-BAFC-66B392D63F40}"/>
+          <p:cNvPr id="3" name="Rectangle 2">
+            <a:extLst>
+              <a:ext uri="{FF2B5EF4-FFF2-40B4-BE49-F238E27FC236}">
+                <a16:creationId xmlns:a16="http://schemas.microsoft.com/office/drawing/2014/main" id="{5336EE5A-5D38-E14E-AD51-C24D4241745A}"/>
               </a:ext>
             </a:extLst>
           </p:cNvPr>
@@ -6652,8 +6737,8 @@
         </p:nvSpPr>
         <p:spPr>
           <a:xfrm>
-            <a:off x="5541818" y="5043055"/>
-            <a:ext cx="6109854" cy="872836"/>
+            <a:off x="8700655" y="1856509"/>
+            <a:ext cx="3061854" cy="1537855"/>
           </a:xfrm>
           <a:prstGeom prst="rect">
             <a:avLst/>
@@ -6661,15 +6746,15 @@
         </p:spPr>
         <p:style>
           <a:lnRef idx="2">
-            <a:schemeClr val="accent1">
+            <a:schemeClr val="accent2">
               <a:shade val="50000"/>
             </a:schemeClr>
           </a:lnRef>
           <a:fillRef idx="1">
-            <a:schemeClr val="accent1"/>
+            <a:schemeClr val="accent2"/>
           </a:fillRef>
           <a:effectRef idx="0">
-            <a:schemeClr val="accent1"/>
+            <a:schemeClr val="accent2"/>
           </a:effectRef>
           <a:fontRef idx="minor">
             <a:schemeClr val="lt1"/>
@@ -6682,15 +6767,7 @@
             <a:pPr algn="ctr"/>
             <a:r>
               <a:rPr lang="en-US" dirty="0"/>
-              <a:t>Example of a simple App in </a:t>
-            </a:r>
-            <a:r>
-              <a:rPr lang="en-US" dirty="0" err="1"/>
-              <a:t>Iris_app</a:t>
-            </a:r>
-            <a:r>
-              <a:rPr lang="en-US" dirty="0"/>
-              <a:t> folder</a:t>
+              <a:t>Note: It is possible to store the UI and Server as two separate scripts. But this is not recommended anymore.</a:t>
             </a:r>
           </a:p>
         </p:txBody>
@@ -6698,7 +6775,7 @@
     </p:spTree>
     <p:extLst>
       <p:ext uri="{BB962C8B-B14F-4D97-AF65-F5344CB8AC3E}">
-        <p14:creationId xmlns:p14="http://schemas.microsoft.com/office/powerpoint/2010/main" val="4117852720"/>
+        <p14:creationId xmlns:p14="http://schemas.microsoft.com/office/powerpoint/2010/main" val="1014791958"/>
       </p:ext>
     </p:extLst>
   </p:cSld>
@@ -6753,7 +6830,7 @@
           <a:p>
             <a:r>
               <a:rPr lang="en-US" dirty="0"/>
-              <a:t>The simplest Shiny App</a:t>
+              <a:t>The Architecture of a Shiny App</a:t>
             </a:r>
           </a:p>
         </p:txBody>
@@ -6920,10 +6997,10 @@
       </p:grpSp>
       <p:sp>
         <p:nvSpPr>
-          <p:cNvPr id="3" name="Snip Single Corner Rectangle 2">
-            <a:extLst>
-              <a:ext uri="{FF2B5EF4-FFF2-40B4-BE49-F238E27FC236}">
-                <a16:creationId xmlns:a16="http://schemas.microsoft.com/office/drawing/2014/main" id="{60CE4806-72FE-AB43-8C08-694C7292B9C8}"/>
+          <p:cNvPr id="11" name="Snip Single Corner Rectangle 10">
+            <a:extLst>
+              <a:ext uri="{FF2B5EF4-FFF2-40B4-BE49-F238E27FC236}">
+                <a16:creationId xmlns:a16="http://schemas.microsoft.com/office/drawing/2014/main" id="{5AADE186-D359-F444-871A-01B41AA03E2D}"/>
               </a:ext>
             </a:extLst>
           </p:cNvPr>
@@ -6932,8 +7009,8 @@
         </p:nvSpPr>
         <p:spPr>
           <a:xfrm>
-            <a:off x="2050472" y="1579417"/>
-            <a:ext cx="7800109" cy="4322619"/>
+            <a:off x="1205345" y="1898073"/>
+            <a:ext cx="1274618" cy="1704109"/>
           </a:xfrm>
           <a:prstGeom prst="snip1Rect">
             <a:avLst/>
@@ -6941,108 +7018,39 @@
         </p:spPr>
         <p:style>
           <a:lnRef idx="2">
-            <a:schemeClr val="accent1"/>
+            <a:schemeClr val="accent1">
+              <a:shade val="50000"/>
+            </a:schemeClr>
           </a:lnRef>
           <a:fillRef idx="1">
-            <a:schemeClr val="lt1"/>
+            <a:schemeClr val="accent1"/>
           </a:fillRef>
           <a:effectRef idx="0">
             <a:schemeClr val="accent1"/>
           </a:effectRef>
           <a:fontRef idx="minor">
-            <a:schemeClr val="dk1"/>
+            <a:schemeClr val="lt1"/>
           </a:fontRef>
         </p:style>
         <p:txBody>
           <a:bodyPr rtlCol="0" anchor="ctr"/>
           <a:lstStyle/>
           <a:p>
-            <a:pPr lvl="1"/>
-            <a:r>
-              <a:rPr lang="en-US" sz="3200" dirty="0">
-                <a:solidFill>
-                  <a:schemeClr val="tx1">
-                    <a:lumMod val="50000"/>
-                    <a:lumOff val="50000"/>
-                  </a:schemeClr>
-                </a:solidFill>
-              </a:rPr>
-              <a:t>library(shiny)</a:t>
-            </a:r>
-          </a:p>
-          <a:p>
-            <a:pPr lvl="1"/>
-            <a:endParaRPr lang="en-US" sz="3200" dirty="0"/>
-          </a:p>
-          <a:p>
-            <a:pPr lvl="1"/>
-            <a:r>
-              <a:rPr lang="en-US" sz="3200" dirty="0" err="1"/>
-              <a:t>ui</a:t>
-            </a:r>
-            <a:r>
-              <a:rPr lang="en-US" sz="3200" dirty="0"/>
-              <a:t> &lt;- </a:t>
-            </a:r>
-            <a:r>
-              <a:rPr lang="en-US" sz="3200" dirty="0" err="1"/>
-              <a:t>fluidPage</a:t>
-            </a:r>
-            <a:r>
-              <a:rPr lang="en-US" sz="3200" dirty="0"/>
-              <a:t>()</a:t>
-            </a:r>
-          </a:p>
-          <a:p>
-            <a:pPr lvl="1"/>
-            <a:endParaRPr lang="en-US" sz="3200" dirty="0"/>
-          </a:p>
-          <a:p>
-            <a:pPr lvl="1"/>
-            <a:r>
-              <a:rPr lang="en-US" sz="3200" dirty="0"/>
-              <a:t>server &lt;- function(input, output){}</a:t>
-            </a:r>
-          </a:p>
-          <a:p>
-            <a:pPr lvl="1"/>
-            <a:endParaRPr lang="en-US" sz="3200" dirty="0"/>
-          </a:p>
-          <a:p>
-            <a:pPr lvl="1"/>
-            <a:r>
-              <a:rPr lang="en-US" sz="3200" dirty="0" err="1"/>
-              <a:t>shinyApp</a:t>
-            </a:r>
-            <a:r>
-              <a:rPr lang="en-US" sz="3200" dirty="0"/>
-              <a:t>(</a:t>
-            </a:r>
-            <a:r>
-              <a:rPr lang="en-US" sz="3200" dirty="0" err="1"/>
-              <a:t>ui</a:t>
-            </a:r>
-            <a:r>
-              <a:rPr lang="en-US" sz="3200" dirty="0"/>
-              <a:t> = </a:t>
-            </a:r>
-            <a:r>
-              <a:rPr lang="en-US" sz="3200" dirty="0" err="1"/>
-              <a:t>ui</a:t>
-            </a:r>
-            <a:r>
-              <a:rPr lang="en-US" sz="3200" dirty="0"/>
-              <a:t>, server=server)</a:t>
-            </a:r>
-          </a:p>
-        </p:txBody>
-      </p:sp>
-      <p:sp>
-        <p:nvSpPr>
-          <p:cNvPr id="7" name="TextBox 6">
-            <a:extLst>
-              <a:ext uri="{FF2B5EF4-FFF2-40B4-BE49-F238E27FC236}">
-                <a16:creationId xmlns:a16="http://schemas.microsoft.com/office/drawing/2014/main" id="{DC849FA2-6112-314B-9250-F0A06CB9ED62}"/>
+            <a:pPr algn="ctr"/>
+            <a:r>
+              <a:rPr lang="en-US" dirty="0" err="1"/>
+              <a:t>App.R</a:t>
+            </a:r>
+            <a:endParaRPr lang="en-US" dirty="0"/>
+          </a:p>
+        </p:txBody>
+      </p:sp>
+      <p:sp>
+        <p:nvSpPr>
+          <p:cNvPr id="13" name="TextBox 12">
+            <a:extLst>
+              <a:ext uri="{FF2B5EF4-FFF2-40B4-BE49-F238E27FC236}">
+                <a16:creationId xmlns:a16="http://schemas.microsoft.com/office/drawing/2014/main" id="{69F32F22-67EE-5B47-830A-D5F1E342DE44}"/>
               </a:ext>
             </a:extLst>
           </p:cNvPr>
@@ -7051,8 +7059,8 @@
         </p:nvSpPr>
         <p:spPr>
           <a:xfrm>
-            <a:off x="2036618" y="1177636"/>
-            <a:ext cx="2660073" cy="369332"/>
+            <a:off x="720437" y="4128655"/>
+            <a:ext cx="2382982" cy="646331"/>
           </a:xfrm>
           <a:prstGeom prst="rect">
             <a:avLst/>
@@ -7065,18 +7073,251 @@
           </a:bodyPr>
           <a:lstStyle/>
           <a:p>
+            <a:pPr algn="ctr"/>
+            <a:r>
+              <a:rPr lang="en-US" dirty="0"/>
+              <a:t>Shiny App script</a:t>
+            </a:r>
+          </a:p>
+          <a:p>
+            <a:pPr algn="ctr"/>
+            <a:r>
+              <a:rPr lang="en-US" b="1" dirty="0"/>
+              <a:t>Always</a:t>
+            </a:r>
+            <a:r>
+              <a:rPr lang="en-US" dirty="0"/>
+              <a:t> named </a:t>
+            </a:r>
             <a:r>
               <a:rPr lang="en-US" dirty="0" err="1"/>
-              <a:t>App.R</a:t>
+              <a:t>app.R</a:t>
             </a:r>
             <a:endParaRPr lang="en-US" dirty="0"/>
+          </a:p>
+        </p:txBody>
+      </p:sp>
+      <p:cxnSp>
+        <p:nvCxnSpPr>
+          <p:cNvPr id="18" name="Straight Arrow Connector 17">
+            <a:extLst>
+              <a:ext uri="{FF2B5EF4-FFF2-40B4-BE49-F238E27FC236}">
+                <a16:creationId xmlns:a16="http://schemas.microsoft.com/office/drawing/2014/main" id="{B1C4ACEA-E595-F444-B64B-2B93D511A72D}"/>
+              </a:ext>
+            </a:extLst>
+          </p:cNvPr>
+          <p:cNvCxnSpPr/>
+          <p:nvPr/>
+        </p:nvCxnSpPr>
+        <p:spPr>
+          <a:xfrm flipV="1">
+            <a:off x="2895600" y="1579418"/>
+            <a:ext cx="2493818" cy="1205346"/>
+          </a:xfrm>
+          <a:prstGeom prst="straightConnector1">
+            <a:avLst/>
+          </a:prstGeom>
+          <a:ln>
+            <a:tailEnd type="triangle"/>
+          </a:ln>
+        </p:spPr>
+        <p:style>
+          <a:lnRef idx="1">
+            <a:schemeClr val="accent1"/>
+          </a:lnRef>
+          <a:fillRef idx="0">
+            <a:schemeClr val="accent1"/>
+          </a:fillRef>
+          <a:effectRef idx="0">
+            <a:schemeClr val="accent1"/>
+          </a:effectRef>
+          <a:fontRef idx="minor">
+            <a:schemeClr val="tx1"/>
+          </a:fontRef>
+        </p:style>
+      </p:cxnSp>
+      <p:cxnSp>
+        <p:nvCxnSpPr>
+          <p:cNvPr id="20" name="Straight Arrow Connector 19">
+            <a:extLst>
+              <a:ext uri="{FF2B5EF4-FFF2-40B4-BE49-F238E27FC236}">
+                <a16:creationId xmlns:a16="http://schemas.microsoft.com/office/drawing/2014/main" id="{87965B22-876B-094A-BAEE-CFC45B3306BB}"/>
+              </a:ext>
+            </a:extLst>
+          </p:cNvPr>
+          <p:cNvCxnSpPr/>
+          <p:nvPr/>
+        </p:nvCxnSpPr>
+        <p:spPr>
+          <a:xfrm>
+            <a:off x="2909455" y="3020291"/>
+            <a:ext cx="2549236" cy="914400"/>
+          </a:xfrm>
+          <a:prstGeom prst="straightConnector1">
+            <a:avLst/>
+          </a:prstGeom>
+          <a:ln>
+            <a:tailEnd type="triangle"/>
+          </a:ln>
+        </p:spPr>
+        <p:style>
+          <a:lnRef idx="1">
+            <a:schemeClr val="accent1"/>
+          </a:lnRef>
+          <a:fillRef idx="0">
+            <a:schemeClr val="accent1"/>
+          </a:fillRef>
+          <a:effectRef idx="0">
+            <a:schemeClr val="accent1"/>
+          </a:effectRef>
+          <a:fontRef idx="minor">
+            <a:schemeClr val="tx1"/>
+          </a:fontRef>
+        </p:style>
+      </p:cxnSp>
+      <p:sp>
+        <p:nvSpPr>
+          <p:cNvPr id="21" name="TextBox 20">
+            <a:extLst>
+              <a:ext uri="{FF2B5EF4-FFF2-40B4-BE49-F238E27FC236}">
+                <a16:creationId xmlns:a16="http://schemas.microsoft.com/office/drawing/2014/main" id="{810EA142-272D-B64A-8E5F-C4589283894C}"/>
+              </a:ext>
+            </a:extLst>
+          </p:cNvPr>
+          <p:cNvSpPr txBox="1"/>
+          <p:nvPr/>
+        </p:nvSpPr>
+        <p:spPr>
+          <a:xfrm>
+            <a:off x="5500255" y="1205345"/>
+            <a:ext cx="3006436" cy="646331"/>
+          </a:xfrm>
+          <a:prstGeom prst="rect">
+            <a:avLst/>
+          </a:prstGeom>
+          <a:noFill/>
+        </p:spPr>
+        <p:txBody>
+          <a:bodyPr wrap="square" rtlCol="0">
+            <a:spAutoFit/>
+          </a:bodyPr>
+          <a:lstStyle/>
+          <a:p>
+            <a:r>
+              <a:rPr lang="en-US" b="1" dirty="0"/>
+              <a:t>Ui function</a:t>
+            </a:r>
+          </a:p>
+          <a:p>
+            <a:r>
+              <a:rPr lang="en-US" dirty="0"/>
+              <a:t>Creates the User interface</a:t>
+            </a:r>
+          </a:p>
+        </p:txBody>
+      </p:sp>
+      <p:sp>
+        <p:nvSpPr>
+          <p:cNvPr id="24" name="TextBox 23">
+            <a:extLst>
+              <a:ext uri="{FF2B5EF4-FFF2-40B4-BE49-F238E27FC236}">
+                <a16:creationId xmlns:a16="http://schemas.microsoft.com/office/drawing/2014/main" id="{DBC721A4-1CF4-7547-A193-6711DEF1A8C4}"/>
+              </a:ext>
+            </a:extLst>
+          </p:cNvPr>
+          <p:cNvSpPr txBox="1"/>
+          <p:nvPr/>
+        </p:nvSpPr>
+        <p:spPr>
+          <a:xfrm>
+            <a:off x="5583381" y="3629890"/>
+            <a:ext cx="4197927" cy="646331"/>
+          </a:xfrm>
+          <a:prstGeom prst="rect">
+            <a:avLst/>
+          </a:prstGeom>
+          <a:noFill/>
+        </p:spPr>
+        <p:txBody>
+          <a:bodyPr wrap="square" rtlCol="0">
+            <a:spAutoFit/>
+          </a:bodyPr>
+          <a:lstStyle/>
+          <a:p>
+            <a:r>
+              <a:rPr lang="en-US" b="1" dirty="0"/>
+              <a:t>Server function</a:t>
+            </a:r>
+          </a:p>
+          <a:p>
+            <a:r>
+              <a:rPr lang="en-US" dirty="0"/>
+              <a:t>Specify the server behavior to user inputs</a:t>
+            </a:r>
+          </a:p>
+        </p:txBody>
+      </p:sp>
+      <p:sp>
+        <p:nvSpPr>
+          <p:cNvPr id="22" name="Rectangle 21">
+            <a:extLst>
+              <a:ext uri="{FF2B5EF4-FFF2-40B4-BE49-F238E27FC236}">
+                <a16:creationId xmlns:a16="http://schemas.microsoft.com/office/drawing/2014/main" id="{3B799D2F-3404-174D-BAFC-66B392D63F40}"/>
+              </a:ext>
+            </a:extLst>
+          </p:cNvPr>
+          <p:cNvSpPr/>
+          <p:nvPr/>
+        </p:nvSpPr>
+        <p:spPr>
+          <a:xfrm>
+            <a:off x="5541818" y="5043055"/>
+            <a:ext cx="6109854" cy="872836"/>
+          </a:xfrm>
+          <a:prstGeom prst="rect">
+            <a:avLst/>
+          </a:prstGeom>
+        </p:spPr>
+        <p:style>
+          <a:lnRef idx="2">
+            <a:schemeClr val="accent1">
+              <a:shade val="50000"/>
+            </a:schemeClr>
+          </a:lnRef>
+          <a:fillRef idx="1">
+            <a:schemeClr val="accent1"/>
+          </a:fillRef>
+          <a:effectRef idx="0">
+            <a:schemeClr val="accent1"/>
+          </a:effectRef>
+          <a:fontRef idx="minor">
+            <a:schemeClr val="lt1"/>
+          </a:fontRef>
+        </p:style>
+        <p:txBody>
+          <a:bodyPr rtlCol="0" anchor="ctr"/>
+          <a:lstStyle/>
+          <a:p>
+            <a:pPr algn="ctr"/>
+            <a:r>
+              <a:rPr lang="en-US" dirty="0"/>
+              <a:t>Example of a simple App in </a:t>
+            </a:r>
+            <a:r>
+              <a:rPr lang="en-US" dirty="0" err="1"/>
+              <a:t>Iris_app</a:t>
+            </a:r>
+            <a:r>
+              <a:rPr lang="en-US" dirty="0"/>
+              <a:t> folder</a:t>
+            </a:r>
           </a:p>
         </p:txBody>
       </p:sp>
     </p:spTree>
     <p:extLst>
       <p:ext uri="{BB962C8B-B14F-4D97-AF65-F5344CB8AC3E}">
-        <p14:creationId xmlns:p14="http://schemas.microsoft.com/office/powerpoint/2010/main" val="1481913697"/>
+        <p14:creationId xmlns:p14="http://schemas.microsoft.com/office/powerpoint/2010/main" val="4117852720"/>
       </p:ext>
     </p:extLst>
   </p:cSld>
@@ -7759,7 +8000,7 @@
         </p:nvSpPr>
         <p:spPr>
           <a:xfrm>
-            <a:off x="4405746" y="3080450"/>
+            <a:off x="4419600" y="2844923"/>
             <a:ext cx="7578436" cy="369332"/>
           </a:xfrm>
           <a:prstGeom prst="rect">
@@ -7837,8 +8078,8 @@
         </p:nvSpPr>
         <p:spPr>
           <a:xfrm>
-            <a:off x="4391891" y="1440872"/>
-            <a:ext cx="6206837" cy="923330"/>
+            <a:off x="4405745" y="1274618"/>
+            <a:ext cx="6871854" cy="1200329"/>
           </a:xfrm>
           <a:prstGeom prst="rect">
             <a:avLst/>
@@ -7853,7 +8094,17 @@
           <a:p>
             <a:r>
               <a:rPr lang="en-US" dirty="0"/>
-              <a:t>The final app that we’ll create today is accessible:  </a:t>
+              <a:t>The final app that we’ll create today is accessible: </a:t>
+            </a:r>
+            <a:r>
+              <a:rPr lang="en-US" dirty="0">
+                <a:hlinkClick r:id="rId4"/>
+              </a:rPr>
+              <a:t>https://aponsero.shinyapps.io/Ramen_app/</a:t>
+            </a:r>
+            <a:r>
+              <a:rPr lang="en-US" dirty="0"/>
+              <a:t>  </a:t>
             </a:r>
           </a:p>
           <a:p>
@@ -7862,7 +8113,15 @@
           <a:p>
             <a:r>
               <a:rPr lang="en-US" dirty="0"/>
-              <a:t>The complete code for this app can be found here </a:t>
+              <a:t>The complete code for this app can be found in the </a:t>
+            </a:r>
+            <a:r>
+              <a:rPr lang="en-US" dirty="0" err="1"/>
+              <a:t>Ramen_App</a:t>
+            </a:r>
+            <a:r>
+              <a:rPr lang="en-US" dirty="0"/>
+              <a:t> folder </a:t>
             </a:r>
           </a:p>
         </p:txBody>
@@ -7881,8 +8140,8 @@
         </p:nvSpPr>
         <p:spPr>
           <a:xfrm>
-            <a:off x="3072245" y="3906981"/>
-            <a:ext cx="5503719" cy="1898073"/>
+            <a:off x="2628899" y="4073235"/>
+            <a:ext cx="6348846" cy="1898073"/>
           </a:xfrm>
           <a:prstGeom prst="rect">
             <a:avLst/>
@@ -7919,7 +8178,34 @@
             </a:r>
             <a:r>
               <a:rPr lang="en-US" dirty="0"/>
-              <a:t> repo : </a:t>
+              <a:t> repo :</a:t>
+            </a:r>
+          </a:p>
+          <a:p>
+            <a:pPr algn="ctr"/>
+            <a:endParaRPr lang="en-US" dirty="0"/>
+          </a:p>
+          <a:p>
+            <a:pPr algn="ctr"/>
+            <a:r>
+              <a:rPr lang="en-US" dirty="0"/>
+              <a:t>https://</a:t>
+            </a:r>
+            <a:r>
+              <a:rPr lang="en-US" dirty="0" err="1"/>
+              <a:t>github.com</a:t>
+            </a:r>
+            <a:r>
+              <a:rPr lang="en-US" dirty="0"/>
+              <a:t>/</a:t>
+            </a:r>
+            <a:r>
+              <a:rPr lang="en-US" dirty="0" err="1"/>
+              <a:t>aponsero</a:t>
+            </a:r>
+            <a:r>
+              <a:rPr lang="en-US" dirty="0"/>
+              <a:t>/Shiny_app_workshop_2020 </a:t>
             </a:r>
           </a:p>
         </p:txBody>
@@ -7956,842 +8242,6 @@
       </p:grpSpPr>
       <p:sp>
         <p:nvSpPr>
-          <p:cNvPr id="2" name="Rectangle 1"/>
-          <p:cNvSpPr/>
-          <p:nvPr/>
-        </p:nvSpPr>
-        <p:spPr>
-          <a:xfrm>
-            <a:off x="0" y="0"/>
-            <a:ext cx="12192000" cy="6858000"/>
-          </a:xfrm>
-          <a:prstGeom prst="rect">
-            <a:avLst/>
-          </a:prstGeom>
-          <a:solidFill>
-            <a:schemeClr val="accent2"/>
-          </a:solidFill>
-          <a:ln>
-            <a:noFill/>
-          </a:ln>
-        </p:spPr>
-        <p:style>
-          <a:lnRef idx="2">
-            <a:schemeClr val="accent1">
-              <a:shade val="50000"/>
-            </a:schemeClr>
-          </a:lnRef>
-          <a:fillRef idx="1">
-            <a:schemeClr val="accent1"/>
-          </a:fillRef>
-          <a:effectRef idx="0">
-            <a:schemeClr val="accent1"/>
-          </a:effectRef>
-          <a:fontRef idx="minor">
-            <a:schemeClr val="lt1"/>
-          </a:fontRef>
-        </p:style>
-        <p:txBody>
-          <a:bodyPr rtlCol="0" anchor="ctr"/>
-          <a:lstStyle/>
-          <a:p>
-            <a:pPr algn="ctr"/>
-            <a:endParaRPr lang="fr-FR" sz="2400" dirty="0"/>
-          </a:p>
-        </p:txBody>
-      </p:sp>
-      <p:sp>
-        <p:nvSpPr>
-          <p:cNvPr id="3" name="Rectangle 2"/>
-          <p:cNvSpPr/>
-          <p:nvPr/>
-        </p:nvSpPr>
-        <p:spPr>
-          <a:xfrm>
-            <a:off x="0" y="6213309"/>
-            <a:ext cx="12192000" cy="644691"/>
-          </a:xfrm>
-          <a:prstGeom prst="rect">
-            <a:avLst/>
-          </a:prstGeom>
-          <a:solidFill>
-            <a:schemeClr val="accent2">
-              <a:lumMod val="50000"/>
-            </a:schemeClr>
-          </a:solidFill>
-          <a:ln>
-            <a:noFill/>
-          </a:ln>
-        </p:spPr>
-        <p:style>
-          <a:lnRef idx="2">
-            <a:schemeClr val="accent1">
-              <a:shade val="50000"/>
-            </a:schemeClr>
-          </a:lnRef>
-          <a:fillRef idx="1">
-            <a:schemeClr val="accent1"/>
-          </a:fillRef>
-          <a:effectRef idx="0">
-            <a:schemeClr val="accent1"/>
-          </a:effectRef>
-          <a:fontRef idx="minor">
-            <a:schemeClr val="lt1"/>
-          </a:fontRef>
-        </p:style>
-        <p:txBody>
-          <a:bodyPr rtlCol="0" anchor="ctr"/>
-          <a:lstStyle/>
-          <a:p>
-            <a:pPr algn="ctr"/>
-            <a:endParaRPr lang="fr-FR" sz="2400"/>
-          </a:p>
-        </p:txBody>
-      </p:sp>
-      <p:sp>
-        <p:nvSpPr>
-          <p:cNvPr id="4" name="ZoneTexte 3"/>
-          <p:cNvSpPr txBox="1"/>
-          <p:nvPr/>
-        </p:nvSpPr>
-        <p:spPr>
-          <a:xfrm>
-            <a:off x="239350" y="6337969"/>
-            <a:ext cx="3612214" cy="420564"/>
-          </a:xfrm>
-          <a:prstGeom prst="rect">
-            <a:avLst/>
-          </a:prstGeom>
-          <a:noFill/>
-        </p:spPr>
-        <p:txBody>
-          <a:bodyPr wrap="square" rtlCol="0">
-            <a:spAutoFit/>
-          </a:bodyPr>
-          <a:lstStyle/>
-          <a:p>
-            <a:r>
-              <a:rPr lang="fr-FR" sz="2133" dirty="0">
-                <a:solidFill>
-                  <a:schemeClr val="bg1"/>
-                </a:solidFill>
-              </a:rPr>
-              <a:t>Intro to </a:t>
-            </a:r>
-            <a:r>
-              <a:rPr lang="fr-FR" sz="2133" dirty="0" err="1">
-                <a:solidFill>
-                  <a:schemeClr val="bg1"/>
-                </a:solidFill>
-              </a:rPr>
-              <a:t>Shiny</a:t>
-            </a:r>
-            <a:r>
-              <a:rPr lang="fr-FR" sz="2133" dirty="0">
-                <a:solidFill>
-                  <a:schemeClr val="bg1"/>
-                </a:solidFill>
-              </a:rPr>
-              <a:t> - </a:t>
-            </a:r>
-            <a:r>
-              <a:rPr lang="fr-FR" sz="2133" dirty="0" err="1">
-                <a:solidFill>
-                  <a:schemeClr val="bg1"/>
-                </a:solidFill>
-              </a:rPr>
-              <a:t>Resbaz</a:t>
-            </a:r>
-            <a:r>
-              <a:rPr lang="fr-FR" sz="2133" dirty="0">
-                <a:solidFill>
-                  <a:schemeClr val="bg1"/>
-                </a:solidFill>
-              </a:rPr>
-              <a:t> 2020</a:t>
-            </a:r>
-          </a:p>
-        </p:txBody>
-      </p:sp>
-      <p:sp>
-        <p:nvSpPr>
-          <p:cNvPr id="5" name="Espace réservé du contenu 2"/>
-          <p:cNvSpPr txBox="1">
-            <a:spLocks/>
-          </p:cNvSpPr>
-          <p:nvPr/>
-        </p:nvSpPr>
-        <p:spPr>
-          <a:xfrm>
-            <a:off x="143339" y="2560308"/>
-            <a:ext cx="10972800" cy="1983983"/>
-          </a:xfrm>
-          <a:prstGeom prst="rect">
-            <a:avLst/>
-          </a:prstGeom>
-        </p:spPr>
-        <p:txBody>
-          <a:bodyPr>
-            <a:normAutofit/>
-          </a:bodyPr>
-          <a:lstStyle>
-            <a:lvl1pPr marL="342900" indent="-342900" algn="l" defTabSz="914400" rtl="0" eaLnBrk="1" latinLnBrk="0" hangingPunct="1">
-              <a:spcBef>
-                <a:spcPct val="20000"/>
-              </a:spcBef>
-              <a:buFont typeface="Arial" panose="020B0604020202020204" pitchFamily="34" charset="0"/>
-              <a:buChar char="•"/>
-              <a:defRPr sz="3200" kern="1200">
-                <a:solidFill>
-                  <a:schemeClr val="tx1"/>
-                </a:solidFill>
-                <a:latin typeface="+mn-lt"/>
-                <a:ea typeface="+mn-ea"/>
-                <a:cs typeface="+mn-cs"/>
-              </a:defRPr>
-            </a:lvl1pPr>
-            <a:lvl2pPr marL="742950" indent="-285750" algn="l" defTabSz="914400" rtl="0" eaLnBrk="1" latinLnBrk="0" hangingPunct="1">
-              <a:spcBef>
-                <a:spcPct val="20000"/>
-              </a:spcBef>
-              <a:buFont typeface="Arial" panose="020B0604020202020204" pitchFamily="34" charset="0"/>
-              <a:buChar char="–"/>
-              <a:defRPr sz="2800" kern="1200">
-                <a:solidFill>
-                  <a:schemeClr val="tx1"/>
-                </a:solidFill>
-                <a:latin typeface="+mn-lt"/>
-                <a:ea typeface="+mn-ea"/>
-                <a:cs typeface="+mn-cs"/>
-              </a:defRPr>
-            </a:lvl2pPr>
-            <a:lvl3pPr marL="1143000" indent="-228600" algn="l" defTabSz="914400" rtl="0" eaLnBrk="1" latinLnBrk="0" hangingPunct="1">
-              <a:spcBef>
-                <a:spcPct val="20000"/>
-              </a:spcBef>
-              <a:buFont typeface="Arial" panose="020B0604020202020204" pitchFamily="34" charset="0"/>
-              <a:buChar char="•"/>
-              <a:defRPr sz="2400" kern="1200">
-                <a:solidFill>
-                  <a:schemeClr val="tx1"/>
-                </a:solidFill>
-                <a:latin typeface="+mn-lt"/>
-                <a:ea typeface="+mn-ea"/>
-                <a:cs typeface="+mn-cs"/>
-              </a:defRPr>
-            </a:lvl3pPr>
-            <a:lvl4pPr marL="1600200" indent="-228600" algn="l" defTabSz="914400" rtl="0" eaLnBrk="1" latinLnBrk="0" hangingPunct="1">
-              <a:spcBef>
-                <a:spcPct val="20000"/>
-              </a:spcBef>
-              <a:buFont typeface="Arial" panose="020B0604020202020204" pitchFamily="34" charset="0"/>
-              <a:buChar char="–"/>
-              <a:defRPr sz="2000" kern="1200">
-                <a:solidFill>
-                  <a:schemeClr val="tx1"/>
-                </a:solidFill>
-                <a:latin typeface="+mn-lt"/>
-                <a:ea typeface="+mn-ea"/>
-                <a:cs typeface="+mn-cs"/>
-              </a:defRPr>
-            </a:lvl4pPr>
-            <a:lvl5pPr marL="2057400" indent="-228600" algn="l" defTabSz="914400" rtl="0" eaLnBrk="1" latinLnBrk="0" hangingPunct="1">
-              <a:spcBef>
-                <a:spcPct val="20000"/>
-              </a:spcBef>
-              <a:buFont typeface="Arial" panose="020B0604020202020204" pitchFamily="34" charset="0"/>
-              <a:buChar char="»"/>
-              <a:defRPr sz="2000" kern="1200">
-                <a:solidFill>
-                  <a:schemeClr val="tx1"/>
-                </a:solidFill>
-                <a:latin typeface="+mn-lt"/>
-                <a:ea typeface="+mn-ea"/>
-                <a:cs typeface="+mn-cs"/>
-              </a:defRPr>
-            </a:lvl5pPr>
-            <a:lvl6pPr marL="2514600" indent="-228600" algn="l" defTabSz="914400" rtl="0" eaLnBrk="1" latinLnBrk="0" hangingPunct="1">
-              <a:spcBef>
-                <a:spcPct val="20000"/>
-              </a:spcBef>
-              <a:buFont typeface="Arial" panose="020B0604020202020204" pitchFamily="34" charset="0"/>
-              <a:buChar char="•"/>
-              <a:defRPr sz="2000" kern="1200">
-                <a:solidFill>
-                  <a:schemeClr val="tx1"/>
-                </a:solidFill>
-                <a:latin typeface="+mn-lt"/>
-                <a:ea typeface="+mn-ea"/>
-                <a:cs typeface="+mn-cs"/>
-              </a:defRPr>
-            </a:lvl6pPr>
-            <a:lvl7pPr marL="2971800" indent="-228600" algn="l" defTabSz="914400" rtl="0" eaLnBrk="1" latinLnBrk="0" hangingPunct="1">
-              <a:spcBef>
-                <a:spcPct val="20000"/>
-              </a:spcBef>
-              <a:buFont typeface="Arial" panose="020B0604020202020204" pitchFamily="34" charset="0"/>
-              <a:buChar char="•"/>
-              <a:defRPr sz="2000" kern="1200">
-                <a:solidFill>
-                  <a:schemeClr val="tx1"/>
-                </a:solidFill>
-                <a:latin typeface="+mn-lt"/>
-                <a:ea typeface="+mn-ea"/>
-                <a:cs typeface="+mn-cs"/>
-              </a:defRPr>
-            </a:lvl7pPr>
-            <a:lvl8pPr marL="3429000" indent="-228600" algn="l" defTabSz="914400" rtl="0" eaLnBrk="1" latinLnBrk="0" hangingPunct="1">
-              <a:spcBef>
-                <a:spcPct val="20000"/>
-              </a:spcBef>
-              <a:buFont typeface="Arial" panose="020B0604020202020204" pitchFamily="34" charset="0"/>
-              <a:buChar char="•"/>
-              <a:defRPr sz="2000" kern="1200">
-                <a:solidFill>
-                  <a:schemeClr val="tx1"/>
-                </a:solidFill>
-                <a:latin typeface="+mn-lt"/>
-                <a:ea typeface="+mn-ea"/>
-                <a:cs typeface="+mn-cs"/>
-              </a:defRPr>
-            </a:lvl8pPr>
-            <a:lvl9pPr marL="3886200" indent="-228600" algn="l" defTabSz="914400" rtl="0" eaLnBrk="1" latinLnBrk="0" hangingPunct="1">
-              <a:spcBef>
-                <a:spcPct val="20000"/>
-              </a:spcBef>
-              <a:buFont typeface="Arial" panose="020B0604020202020204" pitchFamily="34" charset="0"/>
-              <a:buChar char="•"/>
-              <a:defRPr sz="2000" kern="1200">
-                <a:solidFill>
-                  <a:schemeClr val="tx1"/>
-                </a:solidFill>
-                <a:latin typeface="+mn-lt"/>
-                <a:ea typeface="+mn-ea"/>
-                <a:cs typeface="+mn-cs"/>
-              </a:defRPr>
-            </a:lvl9pPr>
-          </a:lstStyle>
-          <a:p>
-            <a:pPr marL="0" indent="0">
-              <a:buNone/>
-            </a:pPr>
-            <a:r>
-              <a:rPr lang="fr-FR" sz="3733" dirty="0">
-                <a:solidFill>
-                  <a:schemeClr val="bg1"/>
-                </a:solidFill>
-              </a:rPr>
-              <a:t>Final </a:t>
-            </a:r>
-            <a:r>
-              <a:rPr lang="fr-FR" sz="3733" dirty="0" err="1">
-                <a:solidFill>
-                  <a:schemeClr val="bg1"/>
-                </a:solidFill>
-              </a:rPr>
-              <a:t>thoughs</a:t>
-            </a:r>
-            <a:r>
-              <a:rPr lang="fr-FR" sz="3733" dirty="0">
-                <a:solidFill>
-                  <a:schemeClr val="bg1"/>
-                </a:solidFill>
-              </a:rPr>
-              <a:t>: </a:t>
-            </a:r>
-            <a:r>
-              <a:rPr lang="fr-FR" sz="3733" dirty="0" err="1">
-                <a:solidFill>
-                  <a:schemeClr val="bg1"/>
-                </a:solidFill>
-              </a:rPr>
-              <a:t>Want</a:t>
-            </a:r>
-            <a:r>
-              <a:rPr lang="fr-FR" sz="3733" dirty="0">
-                <a:solidFill>
-                  <a:schemeClr val="bg1"/>
-                </a:solidFill>
-              </a:rPr>
-              <a:t> more </a:t>
-            </a:r>
-            <a:r>
-              <a:rPr lang="fr-FR" sz="3733" dirty="0" err="1">
-                <a:solidFill>
-                  <a:schemeClr val="bg1"/>
-                </a:solidFill>
-              </a:rPr>
-              <a:t>Shiny</a:t>
-            </a:r>
-            <a:r>
-              <a:rPr lang="fr-FR" sz="3733" dirty="0">
-                <a:solidFill>
-                  <a:schemeClr val="bg1"/>
-                </a:solidFill>
-              </a:rPr>
-              <a:t> in </a:t>
-            </a:r>
-            <a:r>
-              <a:rPr lang="fr-FR" sz="3733" dirty="0" err="1">
-                <a:solidFill>
-                  <a:schemeClr val="bg1"/>
-                </a:solidFill>
-              </a:rPr>
-              <a:t>your</a:t>
-            </a:r>
-            <a:r>
-              <a:rPr lang="fr-FR" sz="3733" dirty="0">
-                <a:solidFill>
-                  <a:schemeClr val="bg1"/>
-                </a:solidFill>
-              </a:rPr>
-              <a:t> life?</a:t>
-            </a:r>
-          </a:p>
-        </p:txBody>
-      </p:sp>
-    </p:spTree>
-    <p:extLst>
-      <p:ext uri="{BB962C8B-B14F-4D97-AF65-F5344CB8AC3E}">
-        <p14:creationId xmlns:p14="http://schemas.microsoft.com/office/powerpoint/2010/main" val="3586997657"/>
-      </p:ext>
-    </p:extLst>
-  </p:cSld>
-  <p:clrMapOvr>
-    <a:masterClrMapping/>
-  </p:clrMapOvr>
-</p:sld>
-</file>
-
-<file path=ppt/slides/slide2.xml><?xml version="1.0" encoding="utf-8"?>
-<p:sld xmlns:a="http://schemas.openxmlformats.org/drawingml/2006/main" xmlns:r="http://schemas.openxmlformats.org/officeDocument/2006/relationships" xmlns:p="http://schemas.openxmlformats.org/presentationml/2006/main">
-  <p:cSld>
-    <p:spTree>
-      <p:nvGrpSpPr>
-        <p:cNvPr id="1" name=""/>
-        <p:cNvGrpSpPr/>
-        <p:nvPr/>
-      </p:nvGrpSpPr>
-      <p:grpSpPr>
-        <a:xfrm>
-          <a:off x="0" y="0"/>
-          <a:ext cx="0" cy="0"/>
-          <a:chOff x="0" y="0"/>
-          <a:chExt cx="0" cy="0"/>
-        </a:xfrm>
-      </p:grpSpPr>
-      <p:sp>
-        <p:nvSpPr>
-          <p:cNvPr id="2" name="Rectangle 1"/>
-          <p:cNvSpPr/>
-          <p:nvPr/>
-        </p:nvSpPr>
-        <p:spPr>
-          <a:xfrm>
-            <a:off x="0" y="0"/>
-            <a:ext cx="12192000" cy="6858000"/>
-          </a:xfrm>
-          <a:prstGeom prst="rect">
-            <a:avLst/>
-          </a:prstGeom>
-          <a:solidFill>
-            <a:schemeClr val="accent2"/>
-          </a:solidFill>
-          <a:ln>
-            <a:noFill/>
-          </a:ln>
-        </p:spPr>
-        <p:style>
-          <a:lnRef idx="2">
-            <a:schemeClr val="accent1">
-              <a:shade val="50000"/>
-            </a:schemeClr>
-          </a:lnRef>
-          <a:fillRef idx="1">
-            <a:schemeClr val="accent1"/>
-          </a:fillRef>
-          <a:effectRef idx="0">
-            <a:schemeClr val="accent1"/>
-          </a:effectRef>
-          <a:fontRef idx="minor">
-            <a:schemeClr val="lt1"/>
-          </a:fontRef>
-        </p:style>
-        <p:txBody>
-          <a:bodyPr rtlCol="0" anchor="ctr"/>
-          <a:lstStyle/>
-          <a:p>
-            <a:pPr algn="ctr"/>
-            <a:endParaRPr lang="fr-FR" sz="2400" dirty="0"/>
-          </a:p>
-        </p:txBody>
-      </p:sp>
-      <p:sp>
-        <p:nvSpPr>
-          <p:cNvPr id="3" name="Rectangle 2"/>
-          <p:cNvSpPr/>
-          <p:nvPr/>
-        </p:nvSpPr>
-        <p:spPr>
-          <a:xfrm>
-            <a:off x="0" y="6213309"/>
-            <a:ext cx="12192000" cy="644691"/>
-          </a:xfrm>
-          <a:prstGeom prst="rect">
-            <a:avLst/>
-          </a:prstGeom>
-          <a:solidFill>
-            <a:schemeClr val="accent2">
-              <a:lumMod val="50000"/>
-            </a:schemeClr>
-          </a:solidFill>
-          <a:ln>
-            <a:noFill/>
-          </a:ln>
-        </p:spPr>
-        <p:style>
-          <a:lnRef idx="2">
-            <a:schemeClr val="accent1">
-              <a:shade val="50000"/>
-            </a:schemeClr>
-          </a:lnRef>
-          <a:fillRef idx="1">
-            <a:schemeClr val="accent1"/>
-          </a:fillRef>
-          <a:effectRef idx="0">
-            <a:schemeClr val="accent1"/>
-          </a:effectRef>
-          <a:fontRef idx="minor">
-            <a:schemeClr val="lt1"/>
-          </a:fontRef>
-        </p:style>
-        <p:txBody>
-          <a:bodyPr rtlCol="0" anchor="ctr"/>
-          <a:lstStyle/>
-          <a:p>
-            <a:pPr algn="ctr"/>
-            <a:endParaRPr lang="fr-FR" sz="2400"/>
-          </a:p>
-        </p:txBody>
-      </p:sp>
-      <p:sp>
-        <p:nvSpPr>
-          <p:cNvPr id="4" name="ZoneTexte 3"/>
-          <p:cNvSpPr txBox="1"/>
-          <p:nvPr/>
-        </p:nvSpPr>
-        <p:spPr>
-          <a:xfrm>
-            <a:off x="239350" y="6337969"/>
-            <a:ext cx="3612214" cy="420564"/>
-          </a:xfrm>
-          <a:prstGeom prst="rect">
-            <a:avLst/>
-          </a:prstGeom>
-          <a:noFill/>
-        </p:spPr>
-        <p:txBody>
-          <a:bodyPr wrap="square" rtlCol="0">
-            <a:spAutoFit/>
-          </a:bodyPr>
-          <a:lstStyle/>
-          <a:p>
-            <a:r>
-              <a:rPr lang="fr-FR" sz="2133" dirty="0">
-                <a:solidFill>
-                  <a:schemeClr val="bg1"/>
-                </a:solidFill>
-              </a:rPr>
-              <a:t>Intro to </a:t>
-            </a:r>
-            <a:r>
-              <a:rPr lang="fr-FR" sz="2133" dirty="0" err="1">
-                <a:solidFill>
-                  <a:schemeClr val="bg1"/>
-                </a:solidFill>
-              </a:rPr>
-              <a:t>Shiny</a:t>
-            </a:r>
-            <a:r>
-              <a:rPr lang="fr-FR" sz="2133" dirty="0">
-                <a:solidFill>
-                  <a:schemeClr val="bg1"/>
-                </a:solidFill>
-              </a:rPr>
-              <a:t> - </a:t>
-            </a:r>
-            <a:r>
-              <a:rPr lang="fr-FR" sz="2133" dirty="0" err="1">
-                <a:solidFill>
-                  <a:schemeClr val="bg1"/>
-                </a:solidFill>
-              </a:rPr>
-              <a:t>Resbaz</a:t>
-            </a:r>
-            <a:r>
-              <a:rPr lang="fr-FR" sz="2133" dirty="0">
-                <a:solidFill>
-                  <a:schemeClr val="bg1"/>
-                </a:solidFill>
-              </a:rPr>
-              <a:t> 2020</a:t>
-            </a:r>
-          </a:p>
-        </p:txBody>
-      </p:sp>
-      <p:sp>
-        <p:nvSpPr>
-          <p:cNvPr id="5" name="Espace réservé du contenu 2"/>
-          <p:cNvSpPr txBox="1">
-            <a:spLocks/>
-          </p:cNvSpPr>
-          <p:nvPr/>
-        </p:nvSpPr>
-        <p:spPr>
-          <a:xfrm>
-            <a:off x="143339" y="2560309"/>
-            <a:ext cx="10972800" cy="868692"/>
-          </a:xfrm>
-          <a:prstGeom prst="rect">
-            <a:avLst/>
-          </a:prstGeom>
-        </p:spPr>
-        <p:txBody>
-          <a:bodyPr>
-            <a:normAutofit/>
-          </a:bodyPr>
-          <a:lstStyle>
-            <a:lvl1pPr marL="342900" indent="-342900" algn="l" defTabSz="914400" rtl="0" eaLnBrk="1" latinLnBrk="0" hangingPunct="1">
-              <a:spcBef>
-                <a:spcPct val="20000"/>
-              </a:spcBef>
-              <a:buFont typeface="Arial" panose="020B0604020202020204" pitchFamily="34" charset="0"/>
-              <a:buChar char="•"/>
-              <a:defRPr sz="3200" kern="1200">
-                <a:solidFill>
-                  <a:schemeClr val="tx1"/>
-                </a:solidFill>
-                <a:latin typeface="+mn-lt"/>
-                <a:ea typeface="+mn-ea"/>
-                <a:cs typeface="+mn-cs"/>
-              </a:defRPr>
-            </a:lvl1pPr>
-            <a:lvl2pPr marL="742950" indent="-285750" algn="l" defTabSz="914400" rtl="0" eaLnBrk="1" latinLnBrk="0" hangingPunct="1">
-              <a:spcBef>
-                <a:spcPct val="20000"/>
-              </a:spcBef>
-              <a:buFont typeface="Arial" panose="020B0604020202020204" pitchFamily="34" charset="0"/>
-              <a:buChar char="–"/>
-              <a:defRPr sz="2800" kern="1200">
-                <a:solidFill>
-                  <a:schemeClr val="tx1"/>
-                </a:solidFill>
-                <a:latin typeface="+mn-lt"/>
-                <a:ea typeface="+mn-ea"/>
-                <a:cs typeface="+mn-cs"/>
-              </a:defRPr>
-            </a:lvl2pPr>
-            <a:lvl3pPr marL="1143000" indent="-228600" algn="l" defTabSz="914400" rtl="0" eaLnBrk="1" latinLnBrk="0" hangingPunct="1">
-              <a:spcBef>
-                <a:spcPct val="20000"/>
-              </a:spcBef>
-              <a:buFont typeface="Arial" panose="020B0604020202020204" pitchFamily="34" charset="0"/>
-              <a:buChar char="•"/>
-              <a:defRPr sz="2400" kern="1200">
-                <a:solidFill>
-                  <a:schemeClr val="tx1"/>
-                </a:solidFill>
-                <a:latin typeface="+mn-lt"/>
-                <a:ea typeface="+mn-ea"/>
-                <a:cs typeface="+mn-cs"/>
-              </a:defRPr>
-            </a:lvl3pPr>
-            <a:lvl4pPr marL="1600200" indent="-228600" algn="l" defTabSz="914400" rtl="0" eaLnBrk="1" latinLnBrk="0" hangingPunct="1">
-              <a:spcBef>
-                <a:spcPct val="20000"/>
-              </a:spcBef>
-              <a:buFont typeface="Arial" panose="020B0604020202020204" pitchFamily="34" charset="0"/>
-              <a:buChar char="–"/>
-              <a:defRPr sz="2000" kern="1200">
-                <a:solidFill>
-                  <a:schemeClr val="tx1"/>
-                </a:solidFill>
-                <a:latin typeface="+mn-lt"/>
-                <a:ea typeface="+mn-ea"/>
-                <a:cs typeface="+mn-cs"/>
-              </a:defRPr>
-            </a:lvl4pPr>
-            <a:lvl5pPr marL="2057400" indent="-228600" algn="l" defTabSz="914400" rtl="0" eaLnBrk="1" latinLnBrk="0" hangingPunct="1">
-              <a:spcBef>
-                <a:spcPct val="20000"/>
-              </a:spcBef>
-              <a:buFont typeface="Arial" panose="020B0604020202020204" pitchFamily="34" charset="0"/>
-              <a:buChar char="»"/>
-              <a:defRPr sz="2000" kern="1200">
-                <a:solidFill>
-                  <a:schemeClr val="tx1"/>
-                </a:solidFill>
-                <a:latin typeface="+mn-lt"/>
-                <a:ea typeface="+mn-ea"/>
-                <a:cs typeface="+mn-cs"/>
-              </a:defRPr>
-            </a:lvl5pPr>
-            <a:lvl6pPr marL="2514600" indent="-228600" algn="l" defTabSz="914400" rtl="0" eaLnBrk="1" latinLnBrk="0" hangingPunct="1">
-              <a:spcBef>
-                <a:spcPct val="20000"/>
-              </a:spcBef>
-              <a:buFont typeface="Arial" panose="020B0604020202020204" pitchFamily="34" charset="0"/>
-              <a:buChar char="•"/>
-              <a:defRPr sz="2000" kern="1200">
-                <a:solidFill>
-                  <a:schemeClr val="tx1"/>
-                </a:solidFill>
-                <a:latin typeface="+mn-lt"/>
-                <a:ea typeface="+mn-ea"/>
-                <a:cs typeface="+mn-cs"/>
-              </a:defRPr>
-            </a:lvl6pPr>
-            <a:lvl7pPr marL="2971800" indent="-228600" algn="l" defTabSz="914400" rtl="0" eaLnBrk="1" latinLnBrk="0" hangingPunct="1">
-              <a:spcBef>
-                <a:spcPct val="20000"/>
-              </a:spcBef>
-              <a:buFont typeface="Arial" panose="020B0604020202020204" pitchFamily="34" charset="0"/>
-              <a:buChar char="•"/>
-              <a:defRPr sz="2000" kern="1200">
-                <a:solidFill>
-                  <a:schemeClr val="tx1"/>
-                </a:solidFill>
-                <a:latin typeface="+mn-lt"/>
-                <a:ea typeface="+mn-ea"/>
-                <a:cs typeface="+mn-cs"/>
-              </a:defRPr>
-            </a:lvl7pPr>
-            <a:lvl8pPr marL="3429000" indent="-228600" algn="l" defTabSz="914400" rtl="0" eaLnBrk="1" latinLnBrk="0" hangingPunct="1">
-              <a:spcBef>
-                <a:spcPct val="20000"/>
-              </a:spcBef>
-              <a:buFont typeface="Arial" panose="020B0604020202020204" pitchFamily="34" charset="0"/>
-              <a:buChar char="•"/>
-              <a:defRPr sz="2000" kern="1200">
-                <a:solidFill>
-                  <a:schemeClr val="tx1"/>
-                </a:solidFill>
-                <a:latin typeface="+mn-lt"/>
-                <a:ea typeface="+mn-ea"/>
-                <a:cs typeface="+mn-cs"/>
-              </a:defRPr>
-            </a:lvl8pPr>
-            <a:lvl9pPr marL="3886200" indent="-228600" algn="l" defTabSz="914400" rtl="0" eaLnBrk="1" latinLnBrk="0" hangingPunct="1">
-              <a:spcBef>
-                <a:spcPct val="20000"/>
-              </a:spcBef>
-              <a:buFont typeface="Arial" panose="020B0604020202020204" pitchFamily="34" charset="0"/>
-              <a:buChar char="•"/>
-              <a:defRPr sz="2000" kern="1200">
-                <a:solidFill>
-                  <a:schemeClr val="tx1"/>
-                </a:solidFill>
-                <a:latin typeface="+mn-lt"/>
-                <a:ea typeface="+mn-ea"/>
-                <a:cs typeface="+mn-cs"/>
-              </a:defRPr>
-            </a:lvl9pPr>
-          </a:lstStyle>
-          <a:p>
-            <a:pPr marL="0" indent="0">
-              <a:buNone/>
-            </a:pPr>
-            <a:r>
-              <a:rPr lang="fr-FR" sz="3733" dirty="0">
-                <a:solidFill>
-                  <a:schemeClr val="bg1"/>
-                </a:solidFill>
-              </a:rPr>
-              <a:t>Introduction: </a:t>
-            </a:r>
-            <a:r>
-              <a:rPr lang="fr-FR" sz="3733" dirty="0" err="1">
-                <a:solidFill>
-                  <a:schemeClr val="bg1"/>
-                </a:solidFill>
-              </a:rPr>
-              <a:t>What</a:t>
-            </a:r>
-            <a:r>
-              <a:rPr lang="fr-FR" sz="3733" dirty="0">
-                <a:solidFill>
-                  <a:schemeClr val="bg1"/>
-                </a:solidFill>
-              </a:rPr>
-              <a:t> </a:t>
-            </a:r>
-            <a:r>
-              <a:rPr lang="fr-FR" sz="3733" dirty="0" err="1">
-                <a:solidFill>
-                  <a:schemeClr val="bg1"/>
-                </a:solidFill>
-              </a:rPr>
-              <a:t>is</a:t>
-            </a:r>
-            <a:r>
-              <a:rPr lang="fr-FR" sz="3733" dirty="0">
-                <a:solidFill>
-                  <a:schemeClr val="bg1"/>
-                </a:solidFill>
-              </a:rPr>
-              <a:t> a </a:t>
-            </a:r>
-            <a:r>
-              <a:rPr lang="fr-FR" sz="3733" dirty="0" err="1">
-                <a:solidFill>
-                  <a:schemeClr val="bg1"/>
-                </a:solidFill>
-              </a:rPr>
-              <a:t>Shiny</a:t>
-            </a:r>
-            <a:r>
-              <a:rPr lang="fr-FR" sz="3733" dirty="0">
-                <a:solidFill>
-                  <a:schemeClr val="bg1"/>
-                </a:solidFill>
-              </a:rPr>
-              <a:t> App ?</a:t>
-            </a:r>
-          </a:p>
-        </p:txBody>
-      </p:sp>
-    </p:spTree>
-    <p:extLst>
-      <p:ext uri="{BB962C8B-B14F-4D97-AF65-F5344CB8AC3E}">
-        <p14:creationId xmlns:p14="http://schemas.microsoft.com/office/powerpoint/2010/main" val="3654850213"/>
-      </p:ext>
-    </p:extLst>
-  </p:cSld>
-  <p:clrMapOvr>
-    <a:masterClrMapping/>
-  </p:clrMapOvr>
-</p:sld>
-</file>
-
-<file path=ppt/slides/slide20.xml><?xml version="1.0" encoding="utf-8"?>
-<p:sld xmlns:a="http://schemas.openxmlformats.org/drawingml/2006/main" xmlns:r="http://schemas.openxmlformats.org/officeDocument/2006/relationships" xmlns:p="http://schemas.openxmlformats.org/presentationml/2006/main">
-  <p:cSld>
-    <p:spTree>
-      <p:nvGrpSpPr>
-        <p:cNvPr id="1" name=""/>
-        <p:cNvGrpSpPr/>
-        <p:nvPr/>
-      </p:nvGrpSpPr>
-      <p:grpSpPr>
-        <a:xfrm>
-          <a:off x="0" y="0"/>
-          <a:ext cx="0" cy="0"/>
-          <a:chOff x="0" y="0"/>
-          <a:chExt cx="0" cy="0"/>
-        </a:xfrm>
-      </p:grpSpPr>
-      <p:sp>
-        <p:nvSpPr>
           <p:cNvPr id="2" name="Title 1">
             <a:extLst>
               <a:ext uri="{FF2B5EF4-FFF2-40B4-BE49-F238E27FC236}">
@@ -8818,7 +8268,7 @@
           <a:p>
             <a:r>
               <a:rPr lang="en-US" dirty="0"/>
-              <a:t>To go further:</a:t>
+              <a:t>UI:</a:t>
             </a:r>
           </a:p>
         </p:txBody>
@@ -8983,10 +8433,101 @@
           </p:txBody>
         </p:sp>
       </p:grpSp>
+      <p:sp>
+        <p:nvSpPr>
+          <p:cNvPr id="3" name="TextBox 2">
+            <a:extLst>
+              <a:ext uri="{FF2B5EF4-FFF2-40B4-BE49-F238E27FC236}">
+                <a16:creationId xmlns:a16="http://schemas.microsoft.com/office/drawing/2014/main" id="{42E9C986-FAD0-8444-B0CF-D810DB3A140C}"/>
+              </a:ext>
+            </a:extLst>
+          </p:cNvPr>
+          <p:cNvSpPr txBox="1"/>
+          <p:nvPr/>
+        </p:nvSpPr>
+        <p:spPr>
+          <a:xfrm>
+            <a:off x="495300" y="1218217"/>
+            <a:ext cx="10823864" cy="3354765"/>
+          </a:xfrm>
+          <a:prstGeom prst="rect">
+            <a:avLst/>
+          </a:prstGeom>
+          <a:noFill/>
+        </p:spPr>
+        <p:txBody>
+          <a:bodyPr wrap="square" rtlCol="0">
+            <a:spAutoFit/>
+          </a:bodyPr>
+          <a:lstStyle/>
+          <a:p>
+            <a:r>
+              <a:rPr lang="en-US" sz="2800" dirty="0"/>
+              <a:t>Define Layouts to organize your app </a:t>
+            </a:r>
+          </a:p>
+          <a:p>
+            <a:endParaRPr lang="en-US" sz="2800" dirty="0"/>
+          </a:p>
+          <a:p>
+            <a:r>
+              <a:rPr lang="en-US" sz="2800" dirty="0"/>
+              <a:t>Include HTML elements</a:t>
+            </a:r>
+          </a:p>
+          <a:p>
+            <a:pPr marL="742950" lvl="1" indent="-285750">
+              <a:buFont typeface="Arial" panose="020B0604020202020204" pitchFamily="34" charset="0"/>
+              <a:buChar char="•"/>
+            </a:pPr>
+            <a:r>
+              <a:rPr lang="en-US" sz="2400" dirty="0"/>
+              <a:t>Shiny tags</a:t>
+            </a:r>
+          </a:p>
+          <a:p>
+            <a:pPr marL="742950" lvl="1" indent="-285750">
+              <a:buFont typeface="Arial" panose="020B0604020202020204" pitchFamily="34" charset="0"/>
+              <a:buChar char="•"/>
+            </a:pPr>
+            <a:r>
+              <a:rPr lang="en-US" sz="2400" dirty="0"/>
+              <a:t>HTML()</a:t>
+            </a:r>
+          </a:p>
+          <a:p>
+            <a:pPr marL="742950" lvl="1" indent="-285750">
+              <a:buFont typeface="Arial" panose="020B0604020202020204" pitchFamily="34" charset="0"/>
+              <a:buChar char="•"/>
+            </a:pPr>
+            <a:r>
+              <a:rPr lang="en-US" sz="2400" dirty="0" err="1"/>
+              <a:t>IncludeHTML</a:t>
+            </a:r>
+            <a:r>
+              <a:rPr lang="en-US" sz="2400" dirty="0"/>
+              <a:t>()</a:t>
+            </a:r>
+          </a:p>
+          <a:p>
+            <a:pPr marL="742950" lvl="1" indent="-285750">
+              <a:buFont typeface="Arial" panose="020B0604020202020204" pitchFamily="34" charset="0"/>
+              <a:buChar char="•"/>
+            </a:pPr>
+            <a:endParaRPr lang="en-US" sz="2800" dirty="0"/>
+          </a:p>
+          <a:p>
+            <a:r>
+              <a:rPr lang="en-US" sz="2800" dirty="0"/>
+              <a:t>Add widgets for user inputs</a:t>
+            </a:r>
+          </a:p>
+        </p:txBody>
+      </p:sp>
     </p:spTree>
     <p:extLst>
       <p:ext uri="{BB962C8B-B14F-4D97-AF65-F5344CB8AC3E}">
-        <p14:creationId xmlns:p14="http://schemas.microsoft.com/office/powerpoint/2010/main" val="763186900"/>
+        <p14:creationId xmlns:p14="http://schemas.microsoft.com/office/powerpoint/2010/main" val="1650117475"/>
       </p:ext>
     </p:extLst>
   </p:cSld>
@@ -8996,7 +8537,7 @@
 </p:sld>
 </file>
 
-<file path=ppt/slides/slide3.xml><?xml version="1.0" encoding="utf-8"?>
+<file path=ppt/slides/slide2.xml><?xml version="1.0" encoding="utf-8"?>
 <p:sld xmlns:a="http://schemas.openxmlformats.org/drawingml/2006/main" xmlns:r="http://schemas.openxmlformats.org/officeDocument/2006/relationships" xmlns:p="http://schemas.openxmlformats.org/presentationml/2006/main">
   <p:cSld>
     <p:spTree>
@@ -9015,6 +8556,416 @@
       </p:grpSpPr>
       <p:sp>
         <p:nvSpPr>
+          <p:cNvPr id="2" name="Rectangle 1"/>
+          <p:cNvSpPr/>
+          <p:nvPr/>
+        </p:nvSpPr>
+        <p:spPr>
+          <a:xfrm>
+            <a:off x="0" y="0"/>
+            <a:ext cx="12192000" cy="6858000"/>
+          </a:xfrm>
+          <a:prstGeom prst="rect">
+            <a:avLst/>
+          </a:prstGeom>
+          <a:solidFill>
+            <a:schemeClr val="accent2"/>
+          </a:solidFill>
+          <a:ln>
+            <a:noFill/>
+          </a:ln>
+        </p:spPr>
+        <p:style>
+          <a:lnRef idx="2">
+            <a:schemeClr val="accent1">
+              <a:shade val="50000"/>
+            </a:schemeClr>
+          </a:lnRef>
+          <a:fillRef idx="1">
+            <a:schemeClr val="accent1"/>
+          </a:fillRef>
+          <a:effectRef idx="0">
+            <a:schemeClr val="accent1"/>
+          </a:effectRef>
+          <a:fontRef idx="minor">
+            <a:schemeClr val="lt1"/>
+          </a:fontRef>
+        </p:style>
+        <p:txBody>
+          <a:bodyPr rtlCol="0" anchor="ctr"/>
+          <a:lstStyle/>
+          <a:p>
+            <a:pPr algn="ctr"/>
+            <a:endParaRPr lang="fr-FR" sz="2400" dirty="0"/>
+          </a:p>
+        </p:txBody>
+      </p:sp>
+      <p:sp>
+        <p:nvSpPr>
+          <p:cNvPr id="3" name="Rectangle 2"/>
+          <p:cNvSpPr/>
+          <p:nvPr/>
+        </p:nvSpPr>
+        <p:spPr>
+          <a:xfrm>
+            <a:off x="0" y="6213309"/>
+            <a:ext cx="12192000" cy="644691"/>
+          </a:xfrm>
+          <a:prstGeom prst="rect">
+            <a:avLst/>
+          </a:prstGeom>
+          <a:solidFill>
+            <a:schemeClr val="accent2">
+              <a:lumMod val="50000"/>
+            </a:schemeClr>
+          </a:solidFill>
+          <a:ln>
+            <a:noFill/>
+          </a:ln>
+        </p:spPr>
+        <p:style>
+          <a:lnRef idx="2">
+            <a:schemeClr val="accent1">
+              <a:shade val="50000"/>
+            </a:schemeClr>
+          </a:lnRef>
+          <a:fillRef idx="1">
+            <a:schemeClr val="accent1"/>
+          </a:fillRef>
+          <a:effectRef idx="0">
+            <a:schemeClr val="accent1"/>
+          </a:effectRef>
+          <a:fontRef idx="minor">
+            <a:schemeClr val="lt1"/>
+          </a:fontRef>
+        </p:style>
+        <p:txBody>
+          <a:bodyPr rtlCol="0" anchor="ctr"/>
+          <a:lstStyle/>
+          <a:p>
+            <a:pPr algn="ctr"/>
+            <a:endParaRPr lang="fr-FR" sz="2400"/>
+          </a:p>
+        </p:txBody>
+      </p:sp>
+      <p:sp>
+        <p:nvSpPr>
+          <p:cNvPr id="4" name="ZoneTexte 3"/>
+          <p:cNvSpPr txBox="1"/>
+          <p:nvPr/>
+        </p:nvSpPr>
+        <p:spPr>
+          <a:xfrm>
+            <a:off x="239350" y="6337969"/>
+            <a:ext cx="3612214" cy="420564"/>
+          </a:xfrm>
+          <a:prstGeom prst="rect">
+            <a:avLst/>
+          </a:prstGeom>
+          <a:noFill/>
+        </p:spPr>
+        <p:txBody>
+          <a:bodyPr wrap="square" rtlCol="0">
+            <a:spAutoFit/>
+          </a:bodyPr>
+          <a:lstStyle/>
+          <a:p>
+            <a:r>
+              <a:rPr lang="fr-FR" sz="2133" dirty="0">
+                <a:solidFill>
+                  <a:schemeClr val="bg1"/>
+                </a:solidFill>
+              </a:rPr>
+              <a:t>Intro to </a:t>
+            </a:r>
+            <a:r>
+              <a:rPr lang="fr-FR" sz="2133" dirty="0" err="1">
+                <a:solidFill>
+                  <a:schemeClr val="bg1"/>
+                </a:solidFill>
+              </a:rPr>
+              <a:t>Shiny</a:t>
+            </a:r>
+            <a:r>
+              <a:rPr lang="fr-FR" sz="2133" dirty="0">
+                <a:solidFill>
+                  <a:schemeClr val="bg1"/>
+                </a:solidFill>
+              </a:rPr>
+              <a:t> - </a:t>
+            </a:r>
+            <a:r>
+              <a:rPr lang="fr-FR" sz="2133" dirty="0" err="1">
+                <a:solidFill>
+                  <a:schemeClr val="bg1"/>
+                </a:solidFill>
+              </a:rPr>
+              <a:t>Resbaz</a:t>
+            </a:r>
+            <a:r>
+              <a:rPr lang="fr-FR" sz="2133" dirty="0">
+                <a:solidFill>
+                  <a:schemeClr val="bg1"/>
+                </a:solidFill>
+              </a:rPr>
+              <a:t> 2020</a:t>
+            </a:r>
+          </a:p>
+        </p:txBody>
+      </p:sp>
+      <p:sp>
+        <p:nvSpPr>
+          <p:cNvPr id="5" name="Espace réservé du contenu 2"/>
+          <p:cNvSpPr txBox="1">
+            <a:spLocks/>
+          </p:cNvSpPr>
+          <p:nvPr/>
+        </p:nvSpPr>
+        <p:spPr>
+          <a:xfrm>
+            <a:off x="143339" y="2560309"/>
+            <a:ext cx="10972800" cy="868692"/>
+          </a:xfrm>
+          <a:prstGeom prst="rect">
+            <a:avLst/>
+          </a:prstGeom>
+        </p:spPr>
+        <p:txBody>
+          <a:bodyPr>
+            <a:normAutofit/>
+          </a:bodyPr>
+          <a:lstStyle>
+            <a:lvl1pPr marL="342900" indent="-342900" algn="l" defTabSz="914400" rtl="0" eaLnBrk="1" latinLnBrk="0" hangingPunct="1">
+              <a:spcBef>
+                <a:spcPct val="20000"/>
+              </a:spcBef>
+              <a:buFont typeface="Arial" panose="020B0604020202020204" pitchFamily="34" charset="0"/>
+              <a:buChar char="•"/>
+              <a:defRPr sz="3200" kern="1200">
+                <a:solidFill>
+                  <a:schemeClr val="tx1"/>
+                </a:solidFill>
+                <a:latin typeface="+mn-lt"/>
+                <a:ea typeface="+mn-ea"/>
+                <a:cs typeface="+mn-cs"/>
+              </a:defRPr>
+            </a:lvl1pPr>
+            <a:lvl2pPr marL="742950" indent="-285750" algn="l" defTabSz="914400" rtl="0" eaLnBrk="1" latinLnBrk="0" hangingPunct="1">
+              <a:spcBef>
+                <a:spcPct val="20000"/>
+              </a:spcBef>
+              <a:buFont typeface="Arial" panose="020B0604020202020204" pitchFamily="34" charset="0"/>
+              <a:buChar char="–"/>
+              <a:defRPr sz="2800" kern="1200">
+                <a:solidFill>
+                  <a:schemeClr val="tx1"/>
+                </a:solidFill>
+                <a:latin typeface="+mn-lt"/>
+                <a:ea typeface="+mn-ea"/>
+                <a:cs typeface="+mn-cs"/>
+              </a:defRPr>
+            </a:lvl2pPr>
+            <a:lvl3pPr marL="1143000" indent="-228600" algn="l" defTabSz="914400" rtl="0" eaLnBrk="1" latinLnBrk="0" hangingPunct="1">
+              <a:spcBef>
+                <a:spcPct val="20000"/>
+              </a:spcBef>
+              <a:buFont typeface="Arial" panose="020B0604020202020204" pitchFamily="34" charset="0"/>
+              <a:buChar char="•"/>
+              <a:defRPr sz="2400" kern="1200">
+                <a:solidFill>
+                  <a:schemeClr val="tx1"/>
+                </a:solidFill>
+                <a:latin typeface="+mn-lt"/>
+                <a:ea typeface="+mn-ea"/>
+                <a:cs typeface="+mn-cs"/>
+              </a:defRPr>
+            </a:lvl3pPr>
+            <a:lvl4pPr marL="1600200" indent="-228600" algn="l" defTabSz="914400" rtl="0" eaLnBrk="1" latinLnBrk="0" hangingPunct="1">
+              <a:spcBef>
+                <a:spcPct val="20000"/>
+              </a:spcBef>
+              <a:buFont typeface="Arial" panose="020B0604020202020204" pitchFamily="34" charset="0"/>
+              <a:buChar char="–"/>
+              <a:defRPr sz="2000" kern="1200">
+                <a:solidFill>
+                  <a:schemeClr val="tx1"/>
+                </a:solidFill>
+                <a:latin typeface="+mn-lt"/>
+                <a:ea typeface="+mn-ea"/>
+                <a:cs typeface="+mn-cs"/>
+              </a:defRPr>
+            </a:lvl4pPr>
+            <a:lvl5pPr marL="2057400" indent="-228600" algn="l" defTabSz="914400" rtl="0" eaLnBrk="1" latinLnBrk="0" hangingPunct="1">
+              <a:spcBef>
+                <a:spcPct val="20000"/>
+              </a:spcBef>
+              <a:buFont typeface="Arial" panose="020B0604020202020204" pitchFamily="34" charset="0"/>
+              <a:buChar char="»"/>
+              <a:defRPr sz="2000" kern="1200">
+                <a:solidFill>
+                  <a:schemeClr val="tx1"/>
+                </a:solidFill>
+                <a:latin typeface="+mn-lt"/>
+                <a:ea typeface="+mn-ea"/>
+                <a:cs typeface="+mn-cs"/>
+              </a:defRPr>
+            </a:lvl5pPr>
+            <a:lvl6pPr marL="2514600" indent="-228600" algn="l" defTabSz="914400" rtl="0" eaLnBrk="1" latinLnBrk="0" hangingPunct="1">
+              <a:spcBef>
+                <a:spcPct val="20000"/>
+              </a:spcBef>
+              <a:buFont typeface="Arial" panose="020B0604020202020204" pitchFamily="34" charset="0"/>
+              <a:buChar char="•"/>
+              <a:defRPr sz="2000" kern="1200">
+                <a:solidFill>
+                  <a:schemeClr val="tx1"/>
+                </a:solidFill>
+                <a:latin typeface="+mn-lt"/>
+                <a:ea typeface="+mn-ea"/>
+                <a:cs typeface="+mn-cs"/>
+              </a:defRPr>
+            </a:lvl6pPr>
+            <a:lvl7pPr marL="2971800" indent="-228600" algn="l" defTabSz="914400" rtl="0" eaLnBrk="1" latinLnBrk="0" hangingPunct="1">
+              <a:spcBef>
+                <a:spcPct val="20000"/>
+              </a:spcBef>
+              <a:buFont typeface="Arial" panose="020B0604020202020204" pitchFamily="34" charset="0"/>
+              <a:buChar char="•"/>
+              <a:defRPr sz="2000" kern="1200">
+                <a:solidFill>
+                  <a:schemeClr val="tx1"/>
+                </a:solidFill>
+                <a:latin typeface="+mn-lt"/>
+                <a:ea typeface="+mn-ea"/>
+                <a:cs typeface="+mn-cs"/>
+              </a:defRPr>
+            </a:lvl7pPr>
+            <a:lvl8pPr marL="3429000" indent="-228600" algn="l" defTabSz="914400" rtl="0" eaLnBrk="1" latinLnBrk="0" hangingPunct="1">
+              <a:spcBef>
+                <a:spcPct val="20000"/>
+              </a:spcBef>
+              <a:buFont typeface="Arial" panose="020B0604020202020204" pitchFamily="34" charset="0"/>
+              <a:buChar char="•"/>
+              <a:defRPr sz="2000" kern="1200">
+                <a:solidFill>
+                  <a:schemeClr val="tx1"/>
+                </a:solidFill>
+                <a:latin typeface="+mn-lt"/>
+                <a:ea typeface="+mn-ea"/>
+                <a:cs typeface="+mn-cs"/>
+              </a:defRPr>
+            </a:lvl8pPr>
+            <a:lvl9pPr marL="3886200" indent="-228600" algn="l" defTabSz="914400" rtl="0" eaLnBrk="1" latinLnBrk="0" hangingPunct="1">
+              <a:spcBef>
+                <a:spcPct val="20000"/>
+              </a:spcBef>
+              <a:buFont typeface="Arial" panose="020B0604020202020204" pitchFamily="34" charset="0"/>
+              <a:buChar char="•"/>
+              <a:defRPr sz="2000" kern="1200">
+                <a:solidFill>
+                  <a:schemeClr val="tx1"/>
+                </a:solidFill>
+                <a:latin typeface="+mn-lt"/>
+                <a:ea typeface="+mn-ea"/>
+                <a:cs typeface="+mn-cs"/>
+              </a:defRPr>
+            </a:lvl9pPr>
+          </a:lstStyle>
+          <a:p>
+            <a:pPr marL="0" indent="0">
+              <a:buNone/>
+            </a:pPr>
+            <a:r>
+              <a:rPr lang="fr-FR" sz="3733" dirty="0">
+                <a:solidFill>
+                  <a:schemeClr val="bg1"/>
+                </a:solidFill>
+              </a:rPr>
+              <a:t>Introduction: </a:t>
+            </a:r>
+            <a:r>
+              <a:rPr lang="fr-FR" sz="3733" dirty="0" err="1">
+                <a:solidFill>
+                  <a:schemeClr val="bg1"/>
+                </a:solidFill>
+              </a:rPr>
+              <a:t>What</a:t>
+            </a:r>
+            <a:r>
+              <a:rPr lang="fr-FR" sz="3733" dirty="0">
+                <a:solidFill>
+                  <a:schemeClr val="bg1"/>
+                </a:solidFill>
+              </a:rPr>
+              <a:t> </a:t>
+            </a:r>
+            <a:r>
+              <a:rPr lang="fr-FR" sz="3733" dirty="0" err="1">
+                <a:solidFill>
+                  <a:schemeClr val="bg1"/>
+                </a:solidFill>
+              </a:rPr>
+              <a:t>is</a:t>
+            </a:r>
+            <a:r>
+              <a:rPr lang="fr-FR" sz="3733" dirty="0">
+                <a:solidFill>
+                  <a:schemeClr val="bg1"/>
+                </a:solidFill>
+              </a:rPr>
+              <a:t> a </a:t>
+            </a:r>
+            <a:r>
+              <a:rPr lang="fr-FR" sz="3733" dirty="0" err="1">
+                <a:solidFill>
+                  <a:schemeClr val="bg1"/>
+                </a:solidFill>
+              </a:rPr>
+              <a:t>Shiny</a:t>
+            </a:r>
+            <a:r>
+              <a:rPr lang="fr-FR" sz="3733" dirty="0">
+                <a:solidFill>
+                  <a:schemeClr val="bg1"/>
+                </a:solidFill>
+              </a:rPr>
+              <a:t> App ?</a:t>
+            </a:r>
+          </a:p>
+        </p:txBody>
+      </p:sp>
+    </p:spTree>
+    <p:extLst>
+      <p:ext uri="{BB962C8B-B14F-4D97-AF65-F5344CB8AC3E}">
+        <p14:creationId xmlns:p14="http://schemas.microsoft.com/office/powerpoint/2010/main" val="3654850213"/>
+      </p:ext>
+    </p:extLst>
+  </p:cSld>
+  <p:clrMapOvr>
+    <a:masterClrMapping/>
+  </p:clrMapOvr>
+</p:sld>
+</file>
+
+<file path=ppt/slides/slide20.xml><?xml version="1.0" encoding="utf-8"?>
+<p:sld xmlns:a="http://schemas.openxmlformats.org/drawingml/2006/main" xmlns:r="http://schemas.openxmlformats.org/officeDocument/2006/relationships" xmlns:p="http://schemas.openxmlformats.org/presentationml/2006/main">
+  <p:cSld>
+    <p:spTree>
+      <p:nvGrpSpPr>
+        <p:cNvPr id="1" name=""/>
+        <p:cNvGrpSpPr/>
+        <p:nvPr/>
+      </p:nvGrpSpPr>
+      <p:grpSpPr>
+        <a:xfrm>
+          <a:off x="0" y="0"/>
+          <a:ext cx="0" cy="0"/>
+          <a:chOff x="0" y="0"/>
+          <a:chExt cx="0" cy="0"/>
+        </a:xfrm>
+      </p:grpSpPr>
+      <p:sp>
+        <p:nvSpPr>
           <p:cNvPr id="2" name="Title 1">
             <a:extLst>
               <a:ext uri="{FF2B5EF4-FFF2-40B4-BE49-F238E27FC236}">
@@ -9041,7 +8992,7 @@
           <a:p>
             <a:r>
               <a:rPr lang="en-US" dirty="0"/>
-              <a:t>What is a Shiny App?</a:t>
+              <a:t>Server:</a:t>
             </a:r>
           </a:p>
         </p:txBody>
@@ -9208,10 +9159,10 @@
       </p:grpSp>
       <p:sp>
         <p:nvSpPr>
-          <p:cNvPr id="15" name="TextBox 14">
-            <a:extLst>
-              <a:ext uri="{FF2B5EF4-FFF2-40B4-BE49-F238E27FC236}">
-                <a16:creationId xmlns:a16="http://schemas.microsoft.com/office/drawing/2014/main" id="{348CE205-C93D-F449-A898-AFED2F110A40}"/>
+          <p:cNvPr id="7" name="TextBox 6">
+            <a:extLst>
+              <a:ext uri="{FF2B5EF4-FFF2-40B4-BE49-F238E27FC236}">
+                <a16:creationId xmlns:a16="http://schemas.microsoft.com/office/drawing/2014/main" id="{3A9A396A-03C9-314F-9218-0502540B1F4E}"/>
               </a:ext>
             </a:extLst>
           </p:cNvPr>
@@ -9220,8 +9171,8 @@
         </p:nvSpPr>
         <p:spPr>
           <a:xfrm>
-            <a:off x="775855" y="931223"/>
-            <a:ext cx="6539346" cy="3477875"/>
+            <a:off x="495300" y="982690"/>
+            <a:ext cx="10823864" cy="5447645"/>
           </a:xfrm>
           <a:prstGeom prst="rect">
             <a:avLst/>
@@ -9236,8 +9187,13 @@
           <a:p>
             <a:r>
               <a:rPr lang="en-US" sz="2800" dirty="0"/>
-              <a:t>Shiny is </a:t>
-            </a:r>
+              <a:t>Adding interactive </a:t>
+            </a:r>
+            <a:r>
+              <a:rPr lang="en-US" sz="2800" dirty="0" err="1"/>
+              <a:t>vizualizations</a:t>
+            </a:r>
+            <a:endParaRPr lang="en-US" sz="2800" dirty="0"/>
           </a:p>
           <a:p>
             <a:pPr marL="914400" lvl="1" indent="-457200">
@@ -9245,8 +9201,32 @@
               <a:buChar char="•"/>
             </a:pPr>
             <a:r>
-              <a:rPr lang="en-US" sz="2000" dirty="0"/>
-              <a:t>an R package </a:t>
+              <a:rPr lang="en-US" sz="2400" dirty="0"/>
+              <a:t>Use </a:t>
+            </a:r>
+            <a:r>
+              <a:rPr lang="en-US" sz="2400" dirty="0" err="1"/>
+              <a:t>renderText</a:t>
+            </a:r>
+            <a:r>
+              <a:rPr lang="en-US" sz="2400" dirty="0"/>
+              <a:t>, </a:t>
+            </a:r>
+            <a:r>
+              <a:rPr lang="en-US" sz="2400" dirty="0" err="1"/>
+              <a:t>renderPlot</a:t>
+            </a:r>
+            <a:r>
+              <a:rPr lang="en-US" sz="2400" dirty="0"/>
+              <a:t> and </a:t>
+            </a:r>
+            <a:r>
+              <a:rPr lang="en-US" sz="2400" dirty="0" err="1"/>
+              <a:t>renderTable</a:t>
+            </a:r>
+            <a:r>
+              <a:rPr lang="en-US" sz="2400" dirty="0"/>
+              <a:t> to create outputs</a:t>
             </a:r>
           </a:p>
           <a:p>
@@ -9255,183 +9235,80 @@
               <a:buChar char="•"/>
             </a:pPr>
             <a:r>
-              <a:rPr lang="en-US" sz="2000" dirty="0"/>
-              <a:t>to build interactive web </a:t>
-            </a:r>
-          </a:p>
-          <a:p>
-            <a:pPr marL="457200" indent="-457200">
-              <a:buFont typeface="Arial" panose="020B0604020202020204" pitchFamily="34" charset="0"/>
-              <a:buChar char="•"/>
-            </a:pPr>
+              <a:rPr lang="en-US" sz="2400" dirty="0"/>
+              <a:t>Place them in the UI using the </a:t>
+            </a:r>
+            <a:r>
+              <a:rPr lang="en-US" sz="2400" dirty="0" err="1"/>
+              <a:t>TextOutput</a:t>
+            </a:r>
+            <a:r>
+              <a:rPr lang="en-US" sz="2400" dirty="0"/>
+              <a:t>, </a:t>
+            </a:r>
+            <a:r>
+              <a:rPr lang="en-US" sz="2400" dirty="0" err="1"/>
+              <a:t>TableOutput</a:t>
+            </a:r>
+            <a:r>
+              <a:rPr lang="en-US" sz="2400" dirty="0"/>
+              <a:t> and </a:t>
+            </a:r>
+            <a:r>
+              <a:rPr lang="en-US" sz="2400" dirty="0" err="1"/>
+              <a:t>PlotOutput</a:t>
+            </a:r>
+            <a:endParaRPr lang="en-US" sz="2400" dirty="0"/>
+          </a:p>
+          <a:p>
+            <a:endParaRPr lang="en-US" sz="2400" dirty="0"/>
+          </a:p>
+          <a:p>
+            <a:r>
+              <a:rPr lang="en-US" sz="2800" dirty="0"/>
+              <a:t>Use reactive() to create internal reactive elements</a:t>
+            </a:r>
+          </a:p>
+          <a:p>
+            <a:endParaRPr lang="en-US" sz="2400" dirty="0"/>
+          </a:p>
+          <a:p>
+            <a:r>
+              <a:rPr lang="en-US" sz="2800" dirty="0"/>
+              <a:t>Add conditional Panels to hide outputs</a:t>
+            </a:r>
+          </a:p>
+          <a:p>
             <a:endParaRPr lang="en-US" sz="2800" dirty="0"/>
           </a:p>
           <a:p>
+            <a:endParaRPr lang="en-US" sz="2800" dirty="0"/>
+          </a:p>
+          <a:p>
+            <a:endParaRPr lang="en-US" sz="2800" dirty="0"/>
+          </a:p>
+          <a:p>
+            <a:r>
+              <a:rPr lang="en-US" sz="2800" b="1" dirty="0"/>
+              <a:t>Optional: </a:t>
+            </a:r>
             <a:r>
               <a:rPr lang="en-US" sz="2800" dirty="0"/>
-              <a:t>Shiny can be used:</a:t>
-            </a:r>
-          </a:p>
-          <a:p>
-            <a:pPr marL="914400" lvl="1" indent="-457200">
-              <a:buFont typeface="Arial" panose="020B0604020202020204" pitchFamily="34" charset="0"/>
-              <a:buChar char="•"/>
-            </a:pPr>
-            <a:r>
-              <a:rPr lang="en-US" sz="2000" dirty="0"/>
-              <a:t>In a standalone apps on a webpage</a:t>
-            </a:r>
-          </a:p>
-          <a:p>
-            <a:pPr marL="914400" lvl="1" indent="-457200">
-              <a:buFont typeface="Arial" panose="020B0604020202020204" pitchFamily="34" charset="0"/>
-              <a:buChar char="•"/>
-            </a:pPr>
-            <a:r>
-              <a:rPr lang="en-US" sz="2000" dirty="0"/>
-              <a:t>Embed in R Markdown documents </a:t>
-            </a:r>
-          </a:p>
-          <a:p>
-            <a:pPr marL="914400" lvl="1" indent="-457200">
-              <a:buFont typeface="Arial" panose="020B0604020202020204" pitchFamily="34" charset="0"/>
-              <a:buChar char="•"/>
-            </a:pPr>
-            <a:r>
-              <a:rPr lang="en-US" sz="2000" dirty="0"/>
-              <a:t>In a Shiny Dashboard</a:t>
+              <a:t>adding buttons and dealing with events</a:t>
             </a:r>
           </a:p>
           <a:p>
             <a:endParaRPr lang="en-US" sz="2800" dirty="0"/>
           </a:p>
-        </p:txBody>
-      </p:sp>
-      <p:pic>
-        <p:nvPicPr>
-          <p:cNvPr id="1026" name="Picture 2" descr="Power Shiny with Stitch: Analyze all your data sources today">
-            <a:extLst>
-              <a:ext uri="{FF2B5EF4-FFF2-40B4-BE49-F238E27FC236}">
-                <a16:creationId xmlns:a16="http://schemas.microsoft.com/office/drawing/2014/main" id="{05395D4B-C0AE-B345-9B0C-33AAF007338B}"/>
-              </a:ext>
-            </a:extLst>
-          </p:cNvPr>
-          <p:cNvPicPr>
-            <a:picLocks noChangeAspect="1" noChangeArrowheads="1"/>
-          </p:cNvPicPr>
-          <p:nvPr/>
-        </p:nvPicPr>
-        <p:blipFill rotWithShape="1">
-          <a:blip r:embed="rId2">
-            <a:extLst>
-              <a:ext uri="{28A0092B-C50C-407E-A947-70E740481C1C}">
-                <a14:useLocalDpi xmlns:a14="http://schemas.microsoft.com/office/drawing/2010/main" val="0"/>
-              </a:ext>
-            </a:extLst>
-          </a:blip>
-          <a:srcRect l="31824" r="30050"/>
-          <a:stretch/>
-        </p:blipFill>
-        <p:spPr bwMode="auto">
-          <a:xfrm>
-            <a:off x="7758545" y="635866"/>
-            <a:ext cx="2812473" cy="2793134"/>
-          </a:xfrm>
-          <a:prstGeom prst="rect">
-            <a:avLst/>
-          </a:prstGeom>
-          <a:noFill/>
-          <a:extLst>
-            <a:ext uri="{909E8E84-426E-40DD-AFC4-6F175D3DCCD1}">
-              <a14:hiddenFill xmlns:a14="http://schemas.microsoft.com/office/drawing/2010/main">
-                <a:solidFill>
-                  <a:srgbClr val="FFFFFF"/>
-                </a:solidFill>
-              </a14:hiddenFill>
-            </a:ext>
-          </a:extLst>
-        </p:spPr>
-      </p:pic>
-      <p:pic>
-        <p:nvPicPr>
-          <p:cNvPr id="17" name="Picture 16">
-            <a:extLst>
-              <a:ext uri="{FF2B5EF4-FFF2-40B4-BE49-F238E27FC236}">
-                <a16:creationId xmlns:a16="http://schemas.microsoft.com/office/drawing/2014/main" id="{BCA8EAE4-23CA-C84F-B33F-B43EAD6CC6AE}"/>
-              </a:ext>
-            </a:extLst>
-          </p:cNvPr>
-          <p:cNvPicPr>
-            <a:picLocks noChangeAspect="1"/>
-          </p:cNvPicPr>
-          <p:nvPr/>
-        </p:nvPicPr>
-        <p:blipFill rotWithShape="1">
-          <a:blip r:embed="rId3"/>
-          <a:srcRect l="-646" t="-242" r="25749" b="67776"/>
-          <a:stretch/>
-        </p:blipFill>
-        <p:spPr>
-          <a:xfrm>
-            <a:off x="1343889" y="4213717"/>
-            <a:ext cx="6428509" cy="1856628"/>
-          </a:xfrm>
-          <a:prstGeom prst="rect">
-            <a:avLst/>
-          </a:prstGeom>
-        </p:spPr>
-      </p:pic>
-      <p:sp>
-        <p:nvSpPr>
-          <p:cNvPr id="18" name="TextBox 17">
-            <a:extLst>
-              <a:ext uri="{FF2B5EF4-FFF2-40B4-BE49-F238E27FC236}">
-                <a16:creationId xmlns:a16="http://schemas.microsoft.com/office/drawing/2014/main" id="{50E2C60C-D7F3-C641-A98D-55325DF3FC45}"/>
-              </a:ext>
-            </a:extLst>
-          </p:cNvPr>
-          <p:cNvSpPr txBox="1"/>
-          <p:nvPr/>
-        </p:nvSpPr>
-        <p:spPr>
-          <a:xfrm>
-            <a:off x="7869383" y="4821383"/>
-            <a:ext cx="3629890" cy="646331"/>
-          </a:xfrm>
-          <a:prstGeom prst="rect">
-            <a:avLst/>
-          </a:prstGeom>
-          <a:noFill/>
-        </p:spPr>
-        <p:txBody>
-          <a:bodyPr wrap="square" rtlCol="0">
-            <a:spAutoFit/>
-          </a:bodyPr>
-          <a:lstStyle/>
-          <a:p>
-            <a:r>
-              <a:rPr lang="en-US" dirty="0"/>
-              <a:t>Shiny App Gallery:</a:t>
-            </a:r>
-          </a:p>
-          <a:p>
-            <a:r>
-              <a:rPr lang="en-US" dirty="0">
-                <a:hlinkClick r:id="rId4"/>
-              </a:rPr>
-              <a:t>https://shiny.rstudio.com/gallery/</a:t>
-            </a:r>
-            <a:r>
-              <a:rPr lang="en-US" dirty="0"/>
-              <a:t> </a:t>
-            </a:r>
+          <a:p>
+            <a:endParaRPr lang="en-US" sz="2800" dirty="0"/>
           </a:p>
         </p:txBody>
       </p:sp>
     </p:spTree>
     <p:extLst>
       <p:ext uri="{BB962C8B-B14F-4D97-AF65-F5344CB8AC3E}">
-        <p14:creationId xmlns:p14="http://schemas.microsoft.com/office/powerpoint/2010/main" val="4205706690"/>
+        <p14:creationId xmlns:p14="http://schemas.microsoft.com/office/powerpoint/2010/main" val="1856096422"/>
       </p:ext>
     </p:extLst>
   </p:cSld>
@@ -9441,7 +9318,7 @@
 </p:sld>
 </file>
 
-<file path=ppt/slides/slide4.xml><?xml version="1.0" encoding="utf-8"?>
+<file path=ppt/slides/slide21.xml><?xml version="1.0" encoding="utf-8"?>
 <p:sld xmlns:a="http://schemas.openxmlformats.org/drawingml/2006/main" xmlns:r="http://schemas.openxmlformats.org/officeDocument/2006/relationships" xmlns:p="http://schemas.openxmlformats.org/presentationml/2006/main">
   <p:cSld>
     <p:spTree>
@@ -9460,6 +9337,432 @@
       </p:grpSpPr>
       <p:sp>
         <p:nvSpPr>
+          <p:cNvPr id="2" name="Rectangle 1"/>
+          <p:cNvSpPr/>
+          <p:nvPr/>
+        </p:nvSpPr>
+        <p:spPr>
+          <a:xfrm>
+            <a:off x="0" y="0"/>
+            <a:ext cx="12192000" cy="6858000"/>
+          </a:xfrm>
+          <a:prstGeom prst="rect">
+            <a:avLst/>
+          </a:prstGeom>
+          <a:solidFill>
+            <a:schemeClr val="accent2"/>
+          </a:solidFill>
+          <a:ln>
+            <a:noFill/>
+          </a:ln>
+        </p:spPr>
+        <p:style>
+          <a:lnRef idx="2">
+            <a:schemeClr val="accent1">
+              <a:shade val="50000"/>
+            </a:schemeClr>
+          </a:lnRef>
+          <a:fillRef idx="1">
+            <a:schemeClr val="accent1"/>
+          </a:fillRef>
+          <a:effectRef idx="0">
+            <a:schemeClr val="accent1"/>
+          </a:effectRef>
+          <a:fontRef idx="minor">
+            <a:schemeClr val="lt1"/>
+          </a:fontRef>
+        </p:style>
+        <p:txBody>
+          <a:bodyPr rtlCol="0" anchor="ctr"/>
+          <a:lstStyle/>
+          <a:p>
+            <a:pPr algn="ctr"/>
+            <a:endParaRPr lang="fr-FR" sz="2400" dirty="0"/>
+          </a:p>
+        </p:txBody>
+      </p:sp>
+      <p:sp>
+        <p:nvSpPr>
+          <p:cNvPr id="3" name="Rectangle 2"/>
+          <p:cNvSpPr/>
+          <p:nvPr/>
+        </p:nvSpPr>
+        <p:spPr>
+          <a:xfrm>
+            <a:off x="0" y="6213309"/>
+            <a:ext cx="12192000" cy="644691"/>
+          </a:xfrm>
+          <a:prstGeom prst="rect">
+            <a:avLst/>
+          </a:prstGeom>
+          <a:solidFill>
+            <a:schemeClr val="accent2">
+              <a:lumMod val="50000"/>
+            </a:schemeClr>
+          </a:solidFill>
+          <a:ln>
+            <a:noFill/>
+          </a:ln>
+        </p:spPr>
+        <p:style>
+          <a:lnRef idx="2">
+            <a:schemeClr val="accent1">
+              <a:shade val="50000"/>
+            </a:schemeClr>
+          </a:lnRef>
+          <a:fillRef idx="1">
+            <a:schemeClr val="accent1"/>
+          </a:fillRef>
+          <a:effectRef idx="0">
+            <a:schemeClr val="accent1"/>
+          </a:effectRef>
+          <a:fontRef idx="minor">
+            <a:schemeClr val="lt1"/>
+          </a:fontRef>
+        </p:style>
+        <p:txBody>
+          <a:bodyPr rtlCol="0" anchor="ctr"/>
+          <a:lstStyle/>
+          <a:p>
+            <a:pPr algn="ctr"/>
+            <a:endParaRPr lang="fr-FR" sz="2400"/>
+          </a:p>
+        </p:txBody>
+      </p:sp>
+      <p:sp>
+        <p:nvSpPr>
+          <p:cNvPr id="4" name="ZoneTexte 3"/>
+          <p:cNvSpPr txBox="1"/>
+          <p:nvPr/>
+        </p:nvSpPr>
+        <p:spPr>
+          <a:xfrm>
+            <a:off x="239350" y="6337969"/>
+            <a:ext cx="3612214" cy="420564"/>
+          </a:xfrm>
+          <a:prstGeom prst="rect">
+            <a:avLst/>
+          </a:prstGeom>
+          <a:noFill/>
+        </p:spPr>
+        <p:txBody>
+          <a:bodyPr wrap="square" rtlCol="0">
+            <a:spAutoFit/>
+          </a:bodyPr>
+          <a:lstStyle/>
+          <a:p>
+            <a:r>
+              <a:rPr lang="fr-FR" sz="2133" dirty="0">
+                <a:solidFill>
+                  <a:schemeClr val="bg1"/>
+                </a:solidFill>
+              </a:rPr>
+              <a:t>Intro to </a:t>
+            </a:r>
+            <a:r>
+              <a:rPr lang="fr-FR" sz="2133" dirty="0" err="1">
+                <a:solidFill>
+                  <a:schemeClr val="bg1"/>
+                </a:solidFill>
+              </a:rPr>
+              <a:t>Shiny</a:t>
+            </a:r>
+            <a:r>
+              <a:rPr lang="fr-FR" sz="2133" dirty="0">
+                <a:solidFill>
+                  <a:schemeClr val="bg1"/>
+                </a:solidFill>
+              </a:rPr>
+              <a:t> - </a:t>
+            </a:r>
+            <a:r>
+              <a:rPr lang="fr-FR" sz="2133" dirty="0" err="1">
+                <a:solidFill>
+                  <a:schemeClr val="bg1"/>
+                </a:solidFill>
+              </a:rPr>
+              <a:t>Resbaz</a:t>
+            </a:r>
+            <a:r>
+              <a:rPr lang="fr-FR" sz="2133" dirty="0">
+                <a:solidFill>
+                  <a:schemeClr val="bg1"/>
+                </a:solidFill>
+              </a:rPr>
+              <a:t> 2020</a:t>
+            </a:r>
+          </a:p>
+        </p:txBody>
+      </p:sp>
+      <p:sp>
+        <p:nvSpPr>
+          <p:cNvPr id="5" name="Espace réservé du contenu 2"/>
+          <p:cNvSpPr txBox="1">
+            <a:spLocks/>
+          </p:cNvSpPr>
+          <p:nvPr/>
+        </p:nvSpPr>
+        <p:spPr>
+          <a:xfrm>
+            <a:off x="143339" y="2560308"/>
+            <a:ext cx="10972800" cy="1983983"/>
+          </a:xfrm>
+          <a:prstGeom prst="rect">
+            <a:avLst/>
+          </a:prstGeom>
+        </p:spPr>
+        <p:txBody>
+          <a:bodyPr>
+            <a:normAutofit/>
+          </a:bodyPr>
+          <a:lstStyle>
+            <a:lvl1pPr marL="342900" indent="-342900" algn="l" defTabSz="914400" rtl="0" eaLnBrk="1" latinLnBrk="0" hangingPunct="1">
+              <a:spcBef>
+                <a:spcPct val="20000"/>
+              </a:spcBef>
+              <a:buFont typeface="Arial" panose="020B0604020202020204" pitchFamily="34" charset="0"/>
+              <a:buChar char="•"/>
+              <a:defRPr sz="3200" kern="1200">
+                <a:solidFill>
+                  <a:schemeClr val="tx1"/>
+                </a:solidFill>
+                <a:latin typeface="+mn-lt"/>
+                <a:ea typeface="+mn-ea"/>
+                <a:cs typeface="+mn-cs"/>
+              </a:defRPr>
+            </a:lvl1pPr>
+            <a:lvl2pPr marL="742950" indent="-285750" algn="l" defTabSz="914400" rtl="0" eaLnBrk="1" latinLnBrk="0" hangingPunct="1">
+              <a:spcBef>
+                <a:spcPct val="20000"/>
+              </a:spcBef>
+              <a:buFont typeface="Arial" panose="020B0604020202020204" pitchFamily="34" charset="0"/>
+              <a:buChar char="–"/>
+              <a:defRPr sz="2800" kern="1200">
+                <a:solidFill>
+                  <a:schemeClr val="tx1"/>
+                </a:solidFill>
+                <a:latin typeface="+mn-lt"/>
+                <a:ea typeface="+mn-ea"/>
+                <a:cs typeface="+mn-cs"/>
+              </a:defRPr>
+            </a:lvl2pPr>
+            <a:lvl3pPr marL="1143000" indent="-228600" algn="l" defTabSz="914400" rtl="0" eaLnBrk="1" latinLnBrk="0" hangingPunct="1">
+              <a:spcBef>
+                <a:spcPct val="20000"/>
+              </a:spcBef>
+              <a:buFont typeface="Arial" panose="020B0604020202020204" pitchFamily="34" charset="0"/>
+              <a:buChar char="•"/>
+              <a:defRPr sz="2400" kern="1200">
+                <a:solidFill>
+                  <a:schemeClr val="tx1"/>
+                </a:solidFill>
+                <a:latin typeface="+mn-lt"/>
+                <a:ea typeface="+mn-ea"/>
+                <a:cs typeface="+mn-cs"/>
+              </a:defRPr>
+            </a:lvl3pPr>
+            <a:lvl4pPr marL="1600200" indent="-228600" algn="l" defTabSz="914400" rtl="0" eaLnBrk="1" latinLnBrk="0" hangingPunct="1">
+              <a:spcBef>
+                <a:spcPct val="20000"/>
+              </a:spcBef>
+              <a:buFont typeface="Arial" panose="020B0604020202020204" pitchFamily="34" charset="0"/>
+              <a:buChar char="–"/>
+              <a:defRPr sz="2000" kern="1200">
+                <a:solidFill>
+                  <a:schemeClr val="tx1"/>
+                </a:solidFill>
+                <a:latin typeface="+mn-lt"/>
+                <a:ea typeface="+mn-ea"/>
+                <a:cs typeface="+mn-cs"/>
+              </a:defRPr>
+            </a:lvl4pPr>
+            <a:lvl5pPr marL="2057400" indent="-228600" algn="l" defTabSz="914400" rtl="0" eaLnBrk="1" latinLnBrk="0" hangingPunct="1">
+              <a:spcBef>
+                <a:spcPct val="20000"/>
+              </a:spcBef>
+              <a:buFont typeface="Arial" panose="020B0604020202020204" pitchFamily="34" charset="0"/>
+              <a:buChar char="»"/>
+              <a:defRPr sz="2000" kern="1200">
+                <a:solidFill>
+                  <a:schemeClr val="tx1"/>
+                </a:solidFill>
+                <a:latin typeface="+mn-lt"/>
+                <a:ea typeface="+mn-ea"/>
+                <a:cs typeface="+mn-cs"/>
+              </a:defRPr>
+            </a:lvl5pPr>
+            <a:lvl6pPr marL="2514600" indent="-228600" algn="l" defTabSz="914400" rtl="0" eaLnBrk="1" latinLnBrk="0" hangingPunct="1">
+              <a:spcBef>
+                <a:spcPct val="20000"/>
+              </a:spcBef>
+              <a:buFont typeface="Arial" panose="020B0604020202020204" pitchFamily="34" charset="0"/>
+              <a:buChar char="•"/>
+              <a:defRPr sz="2000" kern="1200">
+                <a:solidFill>
+                  <a:schemeClr val="tx1"/>
+                </a:solidFill>
+                <a:latin typeface="+mn-lt"/>
+                <a:ea typeface="+mn-ea"/>
+                <a:cs typeface="+mn-cs"/>
+              </a:defRPr>
+            </a:lvl6pPr>
+            <a:lvl7pPr marL="2971800" indent="-228600" algn="l" defTabSz="914400" rtl="0" eaLnBrk="1" latinLnBrk="0" hangingPunct="1">
+              <a:spcBef>
+                <a:spcPct val="20000"/>
+              </a:spcBef>
+              <a:buFont typeface="Arial" panose="020B0604020202020204" pitchFamily="34" charset="0"/>
+              <a:buChar char="•"/>
+              <a:defRPr sz="2000" kern="1200">
+                <a:solidFill>
+                  <a:schemeClr val="tx1"/>
+                </a:solidFill>
+                <a:latin typeface="+mn-lt"/>
+                <a:ea typeface="+mn-ea"/>
+                <a:cs typeface="+mn-cs"/>
+              </a:defRPr>
+            </a:lvl7pPr>
+            <a:lvl8pPr marL="3429000" indent="-228600" algn="l" defTabSz="914400" rtl="0" eaLnBrk="1" latinLnBrk="0" hangingPunct="1">
+              <a:spcBef>
+                <a:spcPct val="20000"/>
+              </a:spcBef>
+              <a:buFont typeface="Arial" panose="020B0604020202020204" pitchFamily="34" charset="0"/>
+              <a:buChar char="•"/>
+              <a:defRPr sz="2000" kern="1200">
+                <a:solidFill>
+                  <a:schemeClr val="tx1"/>
+                </a:solidFill>
+                <a:latin typeface="+mn-lt"/>
+                <a:ea typeface="+mn-ea"/>
+                <a:cs typeface="+mn-cs"/>
+              </a:defRPr>
+            </a:lvl8pPr>
+            <a:lvl9pPr marL="3886200" indent="-228600" algn="l" defTabSz="914400" rtl="0" eaLnBrk="1" latinLnBrk="0" hangingPunct="1">
+              <a:spcBef>
+                <a:spcPct val="20000"/>
+              </a:spcBef>
+              <a:buFont typeface="Arial" panose="020B0604020202020204" pitchFamily="34" charset="0"/>
+              <a:buChar char="•"/>
+              <a:defRPr sz="2000" kern="1200">
+                <a:solidFill>
+                  <a:schemeClr val="tx1"/>
+                </a:solidFill>
+                <a:latin typeface="+mn-lt"/>
+                <a:ea typeface="+mn-ea"/>
+                <a:cs typeface="+mn-cs"/>
+              </a:defRPr>
+            </a:lvl9pPr>
+          </a:lstStyle>
+          <a:p>
+            <a:pPr marL="0" indent="0">
+              <a:buNone/>
+            </a:pPr>
+            <a:r>
+              <a:rPr lang="fr-FR" sz="3733" dirty="0">
+                <a:solidFill>
+                  <a:schemeClr val="bg1"/>
+                </a:solidFill>
+              </a:rPr>
+              <a:t>Final </a:t>
+            </a:r>
+            <a:r>
+              <a:rPr lang="fr-FR" sz="3733" dirty="0" err="1">
+                <a:solidFill>
+                  <a:schemeClr val="bg1"/>
+                </a:solidFill>
+              </a:rPr>
+              <a:t>thoughs</a:t>
+            </a:r>
+            <a:r>
+              <a:rPr lang="fr-FR" sz="3733" dirty="0">
+                <a:solidFill>
+                  <a:schemeClr val="bg1"/>
+                </a:solidFill>
+              </a:rPr>
+              <a:t>: </a:t>
+            </a:r>
+            <a:r>
+              <a:rPr lang="fr-FR" sz="3733" dirty="0" err="1">
+                <a:solidFill>
+                  <a:schemeClr val="bg1"/>
+                </a:solidFill>
+              </a:rPr>
+              <a:t>Want</a:t>
+            </a:r>
+            <a:r>
+              <a:rPr lang="fr-FR" sz="3733" dirty="0">
+                <a:solidFill>
+                  <a:schemeClr val="bg1"/>
+                </a:solidFill>
+              </a:rPr>
+              <a:t> more </a:t>
+            </a:r>
+            <a:r>
+              <a:rPr lang="fr-FR" sz="3733" dirty="0" err="1">
+                <a:solidFill>
+                  <a:schemeClr val="bg1"/>
+                </a:solidFill>
+              </a:rPr>
+              <a:t>Shiny</a:t>
+            </a:r>
+            <a:r>
+              <a:rPr lang="fr-FR" sz="3733" dirty="0">
+                <a:solidFill>
+                  <a:schemeClr val="bg1"/>
+                </a:solidFill>
+              </a:rPr>
+              <a:t> in </a:t>
+            </a:r>
+            <a:r>
+              <a:rPr lang="fr-FR" sz="3733" dirty="0" err="1">
+                <a:solidFill>
+                  <a:schemeClr val="bg1"/>
+                </a:solidFill>
+              </a:rPr>
+              <a:t>your</a:t>
+            </a:r>
+            <a:r>
+              <a:rPr lang="fr-FR" sz="3733" dirty="0">
+                <a:solidFill>
+                  <a:schemeClr val="bg1"/>
+                </a:solidFill>
+              </a:rPr>
+              <a:t> life?</a:t>
+            </a:r>
+          </a:p>
+        </p:txBody>
+      </p:sp>
+    </p:spTree>
+    <p:extLst>
+      <p:ext uri="{BB962C8B-B14F-4D97-AF65-F5344CB8AC3E}">
+        <p14:creationId xmlns:p14="http://schemas.microsoft.com/office/powerpoint/2010/main" val="3586997657"/>
+      </p:ext>
+    </p:extLst>
+  </p:cSld>
+  <p:clrMapOvr>
+    <a:masterClrMapping/>
+  </p:clrMapOvr>
+</p:sld>
+</file>
+
+<file path=ppt/slides/slide22.xml><?xml version="1.0" encoding="utf-8"?>
+<p:sld xmlns:a="http://schemas.openxmlformats.org/drawingml/2006/main" xmlns:r="http://schemas.openxmlformats.org/officeDocument/2006/relationships" xmlns:p="http://schemas.openxmlformats.org/presentationml/2006/main">
+  <p:cSld>
+    <p:spTree>
+      <p:nvGrpSpPr>
+        <p:cNvPr id="1" name=""/>
+        <p:cNvGrpSpPr/>
+        <p:nvPr/>
+      </p:nvGrpSpPr>
+      <p:grpSpPr>
+        <a:xfrm>
+          <a:off x="0" y="0"/>
+          <a:ext cx="0" cy="0"/>
+          <a:chOff x="0" y="0"/>
+          <a:chExt cx="0" cy="0"/>
+        </a:xfrm>
+      </p:grpSpPr>
+      <p:sp>
+        <p:nvSpPr>
           <p:cNvPr id="2" name="Title 1">
             <a:extLst>
               <a:ext uri="{FF2B5EF4-FFF2-40B4-BE49-F238E27FC236}">
@@ -9486,7 +9789,7 @@
           <a:p>
             <a:r>
               <a:rPr lang="en-US" dirty="0"/>
-              <a:t>Why do I want a Shiny App?</a:t>
+              <a:t>To go further:</a:t>
             </a:r>
           </a:p>
         </p:txBody>
@@ -9653,10 +9956,10 @@
       </p:grpSp>
       <p:sp>
         <p:nvSpPr>
-          <p:cNvPr id="7" name="TextBox 6">
-            <a:extLst>
-              <a:ext uri="{FF2B5EF4-FFF2-40B4-BE49-F238E27FC236}">
-                <a16:creationId xmlns:a16="http://schemas.microsoft.com/office/drawing/2014/main" id="{0027BD0D-D673-2443-9986-5413C6E26F72}"/>
+          <p:cNvPr id="3" name="TextBox 2">
+            <a:extLst>
+              <a:ext uri="{FF2B5EF4-FFF2-40B4-BE49-F238E27FC236}">
+                <a16:creationId xmlns:a16="http://schemas.microsoft.com/office/drawing/2014/main" id="{F6E67C10-92EF-F743-848F-6083DE38A8D9}"/>
               </a:ext>
             </a:extLst>
           </p:cNvPr>
@@ -9665,8 +9968,8 @@
         </p:nvSpPr>
         <p:spPr>
           <a:xfrm>
-            <a:off x="748146" y="1333005"/>
-            <a:ext cx="6539346" cy="3354765"/>
+            <a:off x="637309" y="1011382"/>
+            <a:ext cx="10764982" cy="4154984"/>
           </a:xfrm>
           <a:prstGeom prst="rect">
             <a:avLst/>
@@ -9680,8 +9983,330 @@
           <a:lstStyle/>
           <a:p>
             <a:r>
+              <a:rPr lang="en-US" sz="2400" dirty="0"/>
+              <a:t>Get inspiration from the Shiny Gallery</a:t>
+            </a:r>
+          </a:p>
+          <a:p>
+            <a:r>
+              <a:rPr lang="en-US" sz="2400" dirty="0"/>
+              <a:t>	</a:t>
+            </a:r>
+            <a:r>
+              <a:rPr lang="en-US" sz="2000" dirty="0">
+                <a:hlinkClick r:id="rId2"/>
+              </a:rPr>
+              <a:t>https://shiny.rstudio.com/gallery/</a:t>
+            </a:r>
+            <a:r>
+              <a:rPr lang="en-US" sz="2000" dirty="0"/>
+              <a:t> </a:t>
+            </a:r>
+            <a:endParaRPr lang="en-US" sz="2400" dirty="0"/>
+          </a:p>
+          <a:p>
+            <a:endParaRPr lang="en-US" sz="2400" dirty="0"/>
+          </a:p>
+          <a:p>
+            <a:r>
+              <a:rPr lang="en-US" sz="2400" dirty="0"/>
+              <a:t>Shiny provides good tutorials (video and articles)</a:t>
+            </a:r>
+          </a:p>
+          <a:p>
+            <a:r>
+              <a:rPr lang="en-US" sz="2400" dirty="0"/>
+              <a:t>	</a:t>
+            </a:r>
+            <a:r>
+              <a:rPr lang="en-US" sz="2000" dirty="0">
+                <a:hlinkClick r:id="rId3"/>
+              </a:rPr>
+              <a:t>https://shiny.rstudio.com/tutorial/</a:t>
+            </a:r>
+            <a:endParaRPr lang="en-US" sz="2000" dirty="0"/>
+          </a:p>
+          <a:p>
+            <a:endParaRPr lang="en-US" sz="2400" dirty="0"/>
+          </a:p>
+          <a:p>
+            <a:r>
+              <a:rPr lang="en-US" sz="2400" dirty="0"/>
+              <a:t>A great (and very long) blog post that covers basically everything about shiny</a:t>
+            </a:r>
+          </a:p>
+          <a:p>
+            <a:r>
+              <a:rPr lang="en-US" sz="2400" dirty="0"/>
+              <a:t>	</a:t>
+            </a:r>
+            <a:r>
+              <a:rPr lang="en-US" sz="2000" dirty="0">
+                <a:hlinkClick r:id="rId4"/>
+              </a:rPr>
+              <a:t>http://zevross.com/blog/2016/04/19/r-powered-web-applications-with-shiny-a-tutorial-and-cheat-sheet-with-40-example-apps/#eventreactive-used-to-prevent-unwanted-reactions-in-a-reactive-function</a:t>
+            </a:r>
+            <a:endParaRPr lang="en-US" sz="2000" dirty="0"/>
+          </a:p>
+          <a:p>
+            <a:endParaRPr lang="en-US" sz="2400" dirty="0"/>
+          </a:p>
+        </p:txBody>
+      </p:sp>
+    </p:spTree>
+    <p:extLst>
+      <p:ext uri="{BB962C8B-B14F-4D97-AF65-F5344CB8AC3E}">
+        <p14:creationId xmlns:p14="http://schemas.microsoft.com/office/powerpoint/2010/main" val="763186900"/>
+      </p:ext>
+    </p:extLst>
+  </p:cSld>
+  <p:clrMapOvr>
+    <a:masterClrMapping/>
+  </p:clrMapOvr>
+</p:sld>
+</file>
+
+<file path=ppt/slides/slide3.xml><?xml version="1.0" encoding="utf-8"?>
+<p:sld xmlns:a="http://schemas.openxmlformats.org/drawingml/2006/main" xmlns:r="http://schemas.openxmlformats.org/officeDocument/2006/relationships" xmlns:p="http://schemas.openxmlformats.org/presentationml/2006/main">
+  <p:cSld>
+    <p:spTree>
+      <p:nvGrpSpPr>
+        <p:cNvPr id="1" name=""/>
+        <p:cNvGrpSpPr/>
+        <p:nvPr/>
+      </p:nvGrpSpPr>
+      <p:grpSpPr>
+        <a:xfrm>
+          <a:off x="0" y="0"/>
+          <a:ext cx="0" cy="0"/>
+          <a:chOff x="0" y="0"/>
+          <a:chExt cx="0" cy="0"/>
+        </a:xfrm>
+      </p:grpSpPr>
+      <p:sp>
+        <p:nvSpPr>
+          <p:cNvPr id="2" name="Title 1">
+            <a:extLst>
+              <a:ext uri="{FF2B5EF4-FFF2-40B4-BE49-F238E27FC236}">
+                <a16:creationId xmlns:a16="http://schemas.microsoft.com/office/drawing/2014/main" id="{5FD2FB18-0A16-D941-BF91-E1D903799CFB}"/>
+              </a:ext>
+            </a:extLst>
+          </p:cNvPr>
+          <p:cNvSpPr>
+            <a:spLocks noGrp="1"/>
+          </p:cNvSpPr>
+          <p:nvPr>
+            <p:ph type="title"/>
+          </p:nvPr>
+        </p:nvSpPr>
+        <p:spPr>
+          <a:xfrm>
+            <a:off x="0" y="1"/>
+            <a:ext cx="10515600" cy="872836"/>
+          </a:xfrm>
+        </p:spPr>
+        <p:txBody>
+          <a:bodyPr/>
+          <a:lstStyle/>
+          <a:p>
+            <a:r>
+              <a:rPr lang="en-US" dirty="0"/>
+              <a:t>What is a Shiny App?</a:t>
+            </a:r>
+          </a:p>
+        </p:txBody>
+      </p:sp>
+      <p:grpSp>
+        <p:nvGrpSpPr>
+          <p:cNvPr id="4" name="Groupe 11">
+            <a:extLst>
+              <a:ext uri="{FF2B5EF4-FFF2-40B4-BE49-F238E27FC236}">
+                <a16:creationId xmlns:a16="http://schemas.microsoft.com/office/drawing/2014/main" id="{2D04A576-5436-8745-A9C8-98823B178F70}"/>
+              </a:ext>
+            </a:extLst>
+          </p:cNvPr>
+          <p:cNvGrpSpPr/>
+          <p:nvPr/>
+        </p:nvGrpSpPr>
+        <p:grpSpPr>
+          <a:xfrm>
+            <a:off x="-13856" y="6214952"/>
+            <a:ext cx="12205855" cy="643054"/>
+            <a:chOff x="0" y="4661210"/>
+            <a:chExt cx="9144000" cy="482290"/>
+          </a:xfrm>
+        </p:grpSpPr>
+        <p:sp>
+          <p:nvSpPr>
+            <p:cNvPr id="5" name="Rectangle 4">
+              <a:extLst>
+                <a:ext uri="{FF2B5EF4-FFF2-40B4-BE49-F238E27FC236}">
+                  <a16:creationId xmlns:a16="http://schemas.microsoft.com/office/drawing/2014/main" id="{BA408CAF-9DA0-EE49-B8B6-FD1FE582D449}"/>
+                </a:ext>
+              </a:extLst>
+            </p:cNvPr>
+            <p:cNvSpPr/>
+            <p:nvPr/>
+          </p:nvSpPr>
+          <p:spPr>
+            <a:xfrm>
+              <a:off x="0" y="4661210"/>
+              <a:ext cx="9144000" cy="482290"/>
+            </a:xfrm>
+            <a:prstGeom prst="rect">
+              <a:avLst/>
+            </a:prstGeom>
+            <a:solidFill>
+              <a:schemeClr val="tx1">
+                <a:lumMod val="65000"/>
+                <a:lumOff val="35000"/>
+              </a:schemeClr>
+            </a:solidFill>
+            <a:ln>
+              <a:solidFill>
+                <a:schemeClr val="tx1">
+                  <a:lumMod val="65000"/>
+                  <a:lumOff val="35000"/>
+                </a:schemeClr>
+              </a:solidFill>
+            </a:ln>
+          </p:spPr>
+          <p:style>
+            <a:lnRef idx="2">
+              <a:schemeClr val="dk1">
+                <a:shade val="50000"/>
+              </a:schemeClr>
+            </a:lnRef>
+            <a:fillRef idx="1">
+              <a:schemeClr val="dk1"/>
+            </a:fillRef>
+            <a:effectRef idx="0">
+              <a:schemeClr val="dk1"/>
+            </a:effectRef>
+            <a:fontRef idx="minor">
+              <a:schemeClr val="lt1"/>
+            </a:fontRef>
+          </p:style>
+          <p:txBody>
+            <a:bodyPr rtlCol="0" anchor="ctr"/>
+            <a:lstStyle/>
+            <a:p>
+              <a:pPr algn="ctr"/>
+              <a:endParaRPr lang="fr-FR" sz="2400"/>
+            </a:p>
+          </p:txBody>
+        </p:sp>
+        <p:sp>
+          <p:nvSpPr>
+            <p:cNvPr id="6" name="ZoneTexte 10">
+              <a:extLst>
+                <a:ext uri="{FF2B5EF4-FFF2-40B4-BE49-F238E27FC236}">
+                  <a16:creationId xmlns:a16="http://schemas.microsoft.com/office/drawing/2014/main" id="{68A9EB41-91ED-6241-935D-ADF2E43727A3}"/>
+                </a:ext>
+              </a:extLst>
+            </p:cNvPr>
+            <p:cNvSpPr txBox="1"/>
+            <p:nvPr/>
+          </p:nvSpPr>
+          <p:spPr>
+            <a:xfrm>
+              <a:off x="179512" y="4753476"/>
+              <a:ext cx="2570955" cy="315423"/>
+            </a:xfrm>
+            <a:prstGeom prst="rect">
+              <a:avLst/>
+            </a:prstGeom>
+            <a:noFill/>
+            <a:ln>
+              <a:solidFill>
+                <a:schemeClr val="tx1">
+                  <a:lumMod val="65000"/>
+                  <a:lumOff val="35000"/>
+                </a:schemeClr>
+              </a:solidFill>
+            </a:ln>
+          </p:spPr>
+          <p:txBody>
+            <a:bodyPr wrap="square" rtlCol="0">
+              <a:spAutoFit/>
+            </a:bodyPr>
+            <a:lstStyle/>
+            <a:p>
+              <a:r>
+                <a:rPr lang="fr-FR" sz="2133" dirty="0">
+                  <a:solidFill>
+                    <a:schemeClr val="bg1"/>
+                  </a:solidFill>
+                </a:rPr>
+                <a:t>Intro to </a:t>
+              </a:r>
+              <a:r>
+                <a:rPr lang="fr-FR" sz="2133" dirty="0" err="1">
+                  <a:solidFill>
+                    <a:schemeClr val="bg1"/>
+                  </a:solidFill>
+                </a:rPr>
+                <a:t>Shiny</a:t>
+              </a:r>
+              <a:r>
+                <a:rPr lang="fr-FR" sz="2133" dirty="0">
+                  <a:solidFill>
+                    <a:schemeClr val="bg1"/>
+                  </a:solidFill>
+                </a:rPr>
+                <a:t>- </a:t>
+              </a:r>
+              <a:r>
+                <a:rPr lang="fr-FR" sz="2133" dirty="0" err="1">
+                  <a:solidFill>
+                    <a:schemeClr val="bg1"/>
+                  </a:solidFill>
+                </a:rPr>
+                <a:t>Resbaz</a:t>
+              </a:r>
+              <a:r>
+                <a:rPr lang="fr-FR" sz="2133" dirty="0">
+                  <a:solidFill>
+                    <a:schemeClr val="bg1"/>
+                  </a:solidFill>
+                </a:rPr>
+                <a:t> 2020</a:t>
+              </a:r>
+            </a:p>
+          </p:txBody>
+        </p:sp>
+      </p:grpSp>
+      <p:sp>
+        <p:nvSpPr>
+          <p:cNvPr id="15" name="TextBox 14">
+            <a:extLst>
+              <a:ext uri="{FF2B5EF4-FFF2-40B4-BE49-F238E27FC236}">
+                <a16:creationId xmlns:a16="http://schemas.microsoft.com/office/drawing/2014/main" id="{348CE205-C93D-F449-A898-AFED2F110A40}"/>
+              </a:ext>
+            </a:extLst>
+          </p:cNvPr>
+          <p:cNvSpPr txBox="1"/>
+          <p:nvPr/>
+        </p:nvSpPr>
+        <p:spPr>
+          <a:xfrm>
+            <a:off x="775855" y="931223"/>
+            <a:ext cx="6539346" cy="3477875"/>
+          </a:xfrm>
+          <a:prstGeom prst="rect">
+            <a:avLst/>
+          </a:prstGeom>
+          <a:noFill/>
+        </p:spPr>
+        <p:txBody>
+          <a:bodyPr wrap="square" rtlCol="0">
+            <a:spAutoFit/>
+          </a:bodyPr>
+          <a:lstStyle/>
+          <a:p>
+            <a:r>
               <a:rPr lang="en-US" sz="2800" dirty="0"/>
-              <a:t>Shiny Apps allows for </a:t>
+              <a:t>Shiny is </a:t>
             </a:r>
           </a:p>
           <a:p>
@@ -9691,7 +10316,7 @@
             </a:pPr>
             <a:r>
               <a:rPr lang="en-US" sz="2000" dirty="0"/>
-              <a:t>Interactive visualizations</a:t>
+              <a:t>an R package </a:t>
             </a:r>
           </a:p>
           <a:p>
@@ -9701,7 +10326,7 @@
             </a:pPr>
             <a:r>
               <a:rPr lang="en-US" sz="2000" dirty="0"/>
-              <a:t>Users can explore the datasets</a:t>
+              <a:t>to build interactive web applications </a:t>
             </a:r>
           </a:p>
           <a:p>
@@ -9714,7 +10339,7 @@
           <a:p>
             <a:r>
               <a:rPr lang="en-US" sz="2800" dirty="0"/>
-              <a:t>Shiny Apps are:</a:t>
+              <a:t>Shiny can be used:</a:t>
             </a:r>
           </a:p>
           <a:p>
@@ -9724,7 +10349,7 @@
             </a:pPr>
             <a:r>
               <a:rPr lang="en-US" sz="2000" dirty="0"/>
-              <a:t>Easy to build if you know R</a:t>
+              <a:t>In a standalone apps on a webpage</a:t>
             </a:r>
           </a:p>
           <a:p>
@@ -9734,7 +10359,7 @@
             </a:pPr>
             <a:r>
               <a:rPr lang="en-US" sz="2000" dirty="0"/>
-              <a:t>Reactive layout that is easily portable to any screen</a:t>
+              <a:t>Embed in R Markdown documents </a:t>
             </a:r>
           </a:p>
           <a:p>
@@ -9744,11 +10369,456 @@
             </a:pPr>
             <a:r>
               <a:rPr lang="en-US" sz="2000" dirty="0"/>
+              <a:t>In a Shiny Dashboard</a:t>
+            </a:r>
+          </a:p>
+          <a:p>
+            <a:endParaRPr lang="en-US" sz="2800" dirty="0"/>
+          </a:p>
+        </p:txBody>
+      </p:sp>
+      <p:pic>
+        <p:nvPicPr>
+          <p:cNvPr id="1026" name="Picture 2" descr="Power Shiny with Stitch: Analyze all your data sources today">
+            <a:extLst>
+              <a:ext uri="{FF2B5EF4-FFF2-40B4-BE49-F238E27FC236}">
+                <a16:creationId xmlns:a16="http://schemas.microsoft.com/office/drawing/2014/main" id="{05395D4B-C0AE-B345-9B0C-33AAF007338B}"/>
+              </a:ext>
+            </a:extLst>
+          </p:cNvPr>
+          <p:cNvPicPr>
+            <a:picLocks noChangeAspect="1" noChangeArrowheads="1"/>
+          </p:cNvPicPr>
+          <p:nvPr/>
+        </p:nvPicPr>
+        <p:blipFill rotWithShape="1">
+          <a:blip r:embed="rId2">
+            <a:extLst>
+              <a:ext uri="{28A0092B-C50C-407E-A947-70E740481C1C}">
+                <a14:useLocalDpi xmlns:a14="http://schemas.microsoft.com/office/drawing/2010/main" val="0"/>
+              </a:ext>
+            </a:extLst>
+          </a:blip>
+          <a:srcRect l="31824" r="30050"/>
+          <a:stretch/>
+        </p:blipFill>
+        <p:spPr bwMode="auto">
+          <a:xfrm>
+            <a:off x="7758545" y="635866"/>
+            <a:ext cx="2812473" cy="2793134"/>
+          </a:xfrm>
+          <a:prstGeom prst="rect">
+            <a:avLst/>
+          </a:prstGeom>
+          <a:noFill/>
+          <a:extLst>
+            <a:ext uri="{909E8E84-426E-40DD-AFC4-6F175D3DCCD1}">
+              <a14:hiddenFill xmlns:a14="http://schemas.microsoft.com/office/drawing/2010/main">
+                <a:solidFill>
+                  <a:srgbClr val="FFFFFF"/>
+                </a:solidFill>
+              </a14:hiddenFill>
+            </a:ext>
+          </a:extLst>
+        </p:spPr>
+      </p:pic>
+      <p:pic>
+        <p:nvPicPr>
+          <p:cNvPr id="17" name="Picture 16">
+            <a:extLst>
+              <a:ext uri="{FF2B5EF4-FFF2-40B4-BE49-F238E27FC236}">
+                <a16:creationId xmlns:a16="http://schemas.microsoft.com/office/drawing/2014/main" id="{BCA8EAE4-23CA-C84F-B33F-B43EAD6CC6AE}"/>
+              </a:ext>
+            </a:extLst>
+          </p:cNvPr>
+          <p:cNvPicPr>
+            <a:picLocks noChangeAspect="1"/>
+          </p:cNvPicPr>
+          <p:nvPr/>
+        </p:nvPicPr>
+        <p:blipFill rotWithShape="1">
+          <a:blip r:embed="rId3"/>
+          <a:srcRect l="-646" t="-242" r="25749" b="67776"/>
+          <a:stretch/>
+        </p:blipFill>
+        <p:spPr>
+          <a:xfrm>
+            <a:off x="1343889" y="4213717"/>
+            <a:ext cx="6428509" cy="1856628"/>
+          </a:xfrm>
+          <a:prstGeom prst="rect">
+            <a:avLst/>
+          </a:prstGeom>
+        </p:spPr>
+      </p:pic>
+      <p:sp>
+        <p:nvSpPr>
+          <p:cNvPr id="18" name="TextBox 17">
+            <a:extLst>
+              <a:ext uri="{FF2B5EF4-FFF2-40B4-BE49-F238E27FC236}">
+                <a16:creationId xmlns:a16="http://schemas.microsoft.com/office/drawing/2014/main" id="{50E2C60C-D7F3-C641-A98D-55325DF3FC45}"/>
+              </a:ext>
+            </a:extLst>
+          </p:cNvPr>
+          <p:cNvSpPr txBox="1"/>
+          <p:nvPr/>
+        </p:nvSpPr>
+        <p:spPr>
+          <a:xfrm>
+            <a:off x="7980219" y="4835237"/>
+            <a:ext cx="3629890" cy="646331"/>
+          </a:xfrm>
+          <a:prstGeom prst="rect">
+            <a:avLst/>
+          </a:prstGeom>
+          <a:noFill/>
+        </p:spPr>
+        <p:txBody>
+          <a:bodyPr wrap="square" rtlCol="0">
+            <a:spAutoFit/>
+          </a:bodyPr>
+          <a:lstStyle/>
+          <a:p>
+            <a:r>
+              <a:rPr lang="en-US" dirty="0"/>
+              <a:t>Shiny App Gallery:</a:t>
+            </a:r>
+          </a:p>
+          <a:p>
+            <a:r>
+              <a:rPr lang="en-US" dirty="0">
+                <a:hlinkClick r:id="rId4"/>
+              </a:rPr>
+              <a:t>https://shiny.rstudio.com/gallery/</a:t>
+            </a:r>
+            <a:r>
+              <a:rPr lang="en-US" dirty="0"/>
+              <a:t> </a:t>
+            </a:r>
+          </a:p>
+        </p:txBody>
+      </p:sp>
+    </p:spTree>
+    <p:extLst>
+      <p:ext uri="{BB962C8B-B14F-4D97-AF65-F5344CB8AC3E}">
+        <p14:creationId xmlns:p14="http://schemas.microsoft.com/office/powerpoint/2010/main" val="4205706690"/>
+      </p:ext>
+    </p:extLst>
+  </p:cSld>
+  <p:clrMapOvr>
+    <a:masterClrMapping/>
+  </p:clrMapOvr>
+</p:sld>
+</file>
+
+<file path=ppt/slides/slide4.xml><?xml version="1.0" encoding="utf-8"?>
+<p:sld xmlns:a="http://schemas.openxmlformats.org/drawingml/2006/main" xmlns:r="http://schemas.openxmlformats.org/officeDocument/2006/relationships" xmlns:p="http://schemas.openxmlformats.org/presentationml/2006/main">
+  <p:cSld>
+    <p:spTree>
+      <p:nvGrpSpPr>
+        <p:cNvPr id="1" name=""/>
+        <p:cNvGrpSpPr/>
+        <p:nvPr/>
+      </p:nvGrpSpPr>
+      <p:grpSpPr>
+        <a:xfrm>
+          <a:off x="0" y="0"/>
+          <a:ext cx="0" cy="0"/>
+          <a:chOff x="0" y="0"/>
+          <a:chExt cx="0" cy="0"/>
+        </a:xfrm>
+      </p:grpSpPr>
+      <p:sp>
+        <p:nvSpPr>
+          <p:cNvPr id="2" name="Title 1">
+            <a:extLst>
+              <a:ext uri="{FF2B5EF4-FFF2-40B4-BE49-F238E27FC236}">
+                <a16:creationId xmlns:a16="http://schemas.microsoft.com/office/drawing/2014/main" id="{5FD2FB18-0A16-D941-BF91-E1D903799CFB}"/>
+              </a:ext>
+            </a:extLst>
+          </p:cNvPr>
+          <p:cNvSpPr>
+            <a:spLocks noGrp="1"/>
+          </p:cNvSpPr>
+          <p:nvPr>
+            <p:ph type="title"/>
+          </p:nvPr>
+        </p:nvSpPr>
+        <p:spPr>
+          <a:xfrm>
+            <a:off x="0" y="1"/>
+            <a:ext cx="10515600" cy="872836"/>
+          </a:xfrm>
+        </p:spPr>
+        <p:txBody>
+          <a:bodyPr/>
+          <a:lstStyle/>
+          <a:p>
+            <a:r>
+              <a:rPr lang="en-US" dirty="0"/>
+              <a:t>Why do I want a Shiny App?</a:t>
+            </a:r>
+          </a:p>
+        </p:txBody>
+      </p:sp>
+      <p:grpSp>
+        <p:nvGrpSpPr>
+          <p:cNvPr id="4" name="Groupe 11">
+            <a:extLst>
+              <a:ext uri="{FF2B5EF4-FFF2-40B4-BE49-F238E27FC236}">
+                <a16:creationId xmlns:a16="http://schemas.microsoft.com/office/drawing/2014/main" id="{2D04A576-5436-8745-A9C8-98823B178F70}"/>
+              </a:ext>
+            </a:extLst>
+          </p:cNvPr>
+          <p:cNvGrpSpPr/>
+          <p:nvPr/>
+        </p:nvGrpSpPr>
+        <p:grpSpPr>
+          <a:xfrm>
+            <a:off x="-13856" y="6214952"/>
+            <a:ext cx="12205855" cy="643054"/>
+            <a:chOff x="0" y="4661210"/>
+            <a:chExt cx="9144000" cy="482290"/>
+          </a:xfrm>
+        </p:grpSpPr>
+        <p:sp>
+          <p:nvSpPr>
+            <p:cNvPr id="5" name="Rectangle 4">
+              <a:extLst>
+                <a:ext uri="{FF2B5EF4-FFF2-40B4-BE49-F238E27FC236}">
+                  <a16:creationId xmlns:a16="http://schemas.microsoft.com/office/drawing/2014/main" id="{BA408CAF-9DA0-EE49-B8B6-FD1FE582D449}"/>
+                </a:ext>
+              </a:extLst>
+            </p:cNvPr>
+            <p:cNvSpPr/>
+            <p:nvPr/>
+          </p:nvSpPr>
+          <p:spPr>
+            <a:xfrm>
+              <a:off x="0" y="4661210"/>
+              <a:ext cx="9144000" cy="482290"/>
+            </a:xfrm>
+            <a:prstGeom prst="rect">
+              <a:avLst/>
+            </a:prstGeom>
+            <a:solidFill>
+              <a:schemeClr val="tx1">
+                <a:lumMod val="65000"/>
+                <a:lumOff val="35000"/>
+              </a:schemeClr>
+            </a:solidFill>
+            <a:ln>
+              <a:solidFill>
+                <a:schemeClr val="tx1">
+                  <a:lumMod val="65000"/>
+                  <a:lumOff val="35000"/>
+                </a:schemeClr>
+              </a:solidFill>
+            </a:ln>
+          </p:spPr>
+          <p:style>
+            <a:lnRef idx="2">
+              <a:schemeClr val="dk1">
+                <a:shade val="50000"/>
+              </a:schemeClr>
+            </a:lnRef>
+            <a:fillRef idx="1">
+              <a:schemeClr val="dk1"/>
+            </a:fillRef>
+            <a:effectRef idx="0">
+              <a:schemeClr val="dk1"/>
+            </a:effectRef>
+            <a:fontRef idx="minor">
+              <a:schemeClr val="lt1"/>
+            </a:fontRef>
+          </p:style>
+          <p:txBody>
+            <a:bodyPr rtlCol="0" anchor="ctr"/>
+            <a:lstStyle/>
+            <a:p>
+              <a:pPr algn="ctr"/>
+              <a:endParaRPr lang="fr-FR" sz="2400"/>
+            </a:p>
+          </p:txBody>
+        </p:sp>
+        <p:sp>
+          <p:nvSpPr>
+            <p:cNvPr id="6" name="ZoneTexte 10">
+              <a:extLst>
+                <a:ext uri="{FF2B5EF4-FFF2-40B4-BE49-F238E27FC236}">
+                  <a16:creationId xmlns:a16="http://schemas.microsoft.com/office/drawing/2014/main" id="{68A9EB41-91ED-6241-935D-ADF2E43727A3}"/>
+                </a:ext>
+              </a:extLst>
+            </p:cNvPr>
+            <p:cNvSpPr txBox="1"/>
+            <p:nvPr/>
+          </p:nvSpPr>
+          <p:spPr>
+            <a:xfrm>
+              <a:off x="179512" y="4753476"/>
+              <a:ext cx="2570955" cy="315423"/>
+            </a:xfrm>
+            <a:prstGeom prst="rect">
+              <a:avLst/>
+            </a:prstGeom>
+            <a:noFill/>
+            <a:ln>
+              <a:solidFill>
+                <a:schemeClr val="tx1">
+                  <a:lumMod val="65000"/>
+                  <a:lumOff val="35000"/>
+                </a:schemeClr>
+              </a:solidFill>
+            </a:ln>
+          </p:spPr>
+          <p:txBody>
+            <a:bodyPr wrap="square" rtlCol="0">
+              <a:spAutoFit/>
+            </a:bodyPr>
+            <a:lstStyle/>
+            <a:p>
+              <a:r>
+                <a:rPr lang="fr-FR" sz="2133" dirty="0">
+                  <a:solidFill>
+                    <a:schemeClr val="bg1"/>
+                  </a:solidFill>
+                </a:rPr>
+                <a:t>Intro to </a:t>
+              </a:r>
+              <a:r>
+                <a:rPr lang="fr-FR" sz="2133" dirty="0" err="1">
+                  <a:solidFill>
+                    <a:schemeClr val="bg1"/>
+                  </a:solidFill>
+                </a:rPr>
+                <a:t>Shiny</a:t>
+              </a:r>
+              <a:r>
+                <a:rPr lang="fr-FR" sz="2133" dirty="0">
+                  <a:solidFill>
+                    <a:schemeClr val="bg1"/>
+                  </a:solidFill>
+                </a:rPr>
+                <a:t>- </a:t>
+              </a:r>
+              <a:r>
+                <a:rPr lang="fr-FR" sz="2133" dirty="0" err="1">
+                  <a:solidFill>
+                    <a:schemeClr val="bg1"/>
+                  </a:solidFill>
+                </a:rPr>
+                <a:t>Resbaz</a:t>
+              </a:r>
+              <a:r>
+                <a:rPr lang="fr-FR" sz="2133" dirty="0">
+                  <a:solidFill>
+                    <a:schemeClr val="bg1"/>
+                  </a:solidFill>
+                </a:rPr>
+                <a:t> 2020</a:t>
+              </a:r>
+            </a:p>
+          </p:txBody>
+        </p:sp>
+      </p:grpSp>
+      <p:sp>
+        <p:nvSpPr>
+          <p:cNvPr id="7" name="TextBox 6">
+            <a:extLst>
+              <a:ext uri="{FF2B5EF4-FFF2-40B4-BE49-F238E27FC236}">
+                <a16:creationId xmlns:a16="http://schemas.microsoft.com/office/drawing/2014/main" id="{0027BD0D-D673-2443-9986-5413C6E26F72}"/>
+              </a:ext>
+            </a:extLst>
+          </p:cNvPr>
+          <p:cNvSpPr txBox="1"/>
+          <p:nvPr/>
+        </p:nvSpPr>
+        <p:spPr>
+          <a:xfrm>
+            <a:off x="748145" y="1333005"/>
+            <a:ext cx="7093527" cy="3354765"/>
+          </a:xfrm>
+          <a:prstGeom prst="rect">
+            <a:avLst/>
+          </a:prstGeom>
+          <a:noFill/>
+        </p:spPr>
+        <p:txBody>
+          <a:bodyPr wrap="square" rtlCol="0">
+            <a:spAutoFit/>
+          </a:bodyPr>
+          <a:lstStyle/>
+          <a:p>
+            <a:r>
+              <a:rPr lang="en-US" sz="2800" dirty="0"/>
+              <a:t>Shiny Apps allows for </a:t>
+            </a:r>
+          </a:p>
+          <a:p>
+            <a:pPr marL="914400" lvl="1" indent="-457200">
+              <a:buFont typeface="Arial" panose="020B0604020202020204" pitchFamily="34" charset="0"/>
+              <a:buChar char="•"/>
+            </a:pPr>
+            <a:r>
+              <a:rPr lang="en-US" sz="2000" dirty="0"/>
+              <a:t>Interactive visualizations</a:t>
+            </a:r>
+          </a:p>
+          <a:p>
+            <a:pPr marL="914400" lvl="1" indent="-457200">
+              <a:buFont typeface="Arial" panose="020B0604020202020204" pitchFamily="34" charset="0"/>
+              <a:buChar char="•"/>
+            </a:pPr>
+            <a:r>
+              <a:rPr lang="en-US" sz="2000" dirty="0"/>
+              <a:t>Users can explore the datasets</a:t>
+            </a:r>
+          </a:p>
+          <a:p>
+            <a:pPr marL="457200" indent="-457200">
+              <a:buFont typeface="Arial" panose="020B0604020202020204" pitchFamily="34" charset="0"/>
+              <a:buChar char="•"/>
+            </a:pPr>
+            <a:endParaRPr lang="en-US" sz="2800" dirty="0"/>
+          </a:p>
+          <a:p>
+            <a:r>
+              <a:rPr lang="en-US" sz="2800" dirty="0"/>
+              <a:t>Shiny Apps are:</a:t>
+            </a:r>
+          </a:p>
+          <a:p>
+            <a:pPr marL="914400" lvl="1" indent="-457200">
+              <a:buFont typeface="Arial" panose="020B0604020202020204" pitchFamily="34" charset="0"/>
+              <a:buChar char="•"/>
+            </a:pPr>
+            <a:r>
+              <a:rPr lang="en-US" sz="2000" dirty="0"/>
+              <a:t>Easy to build if you know R</a:t>
+            </a:r>
+          </a:p>
+          <a:p>
+            <a:pPr marL="914400" lvl="1" indent="-457200">
+              <a:buFont typeface="Arial" panose="020B0604020202020204" pitchFamily="34" charset="0"/>
+              <a:buChar char="•"/>
+            </a:pPr>
+            <a:r>
+              <a:rPr lang="en-US" sz="2000" dirty="0"/>
+              <a:t>Reactive layout that is easily portable to any screen</a:t>
+            </a:r>
+          </a:p>
+          <a:p>
+            <a:pPr marL="914400" lvl="1" indent="-457200">
+              <a:buFont typeface="Arial" panose="020B0604020202020204" pitchFamily="34" charset="0"/>
+              <a:buChar char="•"/>
+            </a:pPr>
+            <a:r>
+              <a:rPr lang="en-US" sz="2000" dirty="0"/>
               <a:t>Not too painful to deploy (especially on </a:t>
             </a:r>
             <a:r>
               <a:rPr lang="en-US" sz="2000" dirty="0" err="1"/>
-              <a:t>Shiny.io</a:t>
+              <a:t>Shinyapps.io</a:t>
             </a:r>
             <a:r>
               <a:rPr lang="en-US" sz="2000" dirty="0"/>

--- a/Presentation/Presentation_slides.pptx
+++ b/Presentation/Presentation_slides.pptx
@@ -291,7 +291,7 @@
           <a:p>
             <a:fld id="{FE958F5B-3154-2A43-8D52-62B33F0CCEF4}" type="datetimeFigureOut">
               <a:rPr lang="en-US" smtClean="0"/>
-              <a:t>5/14/20</a:t>
+              <a:t>5/18/20</a:t>
             </a:fld>
             <a:endParaRPr lang="en-US"/>
           </a:p>
@@ -489,7 +489,7 @@
           <a:p>
             <a:fld id="{FE958F5B-3154-2A43-8D52-62B33F0CCEF4}" type="datetimeFigureOut">
               <a:rPr lang="en-US" smtClean="0"/>
-              <a:t>5/14/20</a:t>
+              <a:t>5/18/20</a:t>
             </a:fld>
             <a:endParaRPr lang="en-US"/>
           </a:p>
@@ -697,7 +697,7 @@
           <a:p>
             <a:fld id="{FE958F5B-3154-2A43-8D52-62B33F0CCEF4}" type="datetimeFigureOut">
               <a:rPr lang="en-US" smtClean="0"/>
-              <a:t>5/14/20</a:t>
+              <a:t>5/18/20</a:t>
             </a:fld>
             <a:endParaRPr lang="en-US"/>
           </a:p>
@@ -895,7 +895,7 @@
           <a:p>
             <a:fld id="{FE958F5B-3154-2A43-8D52-62B33F0CCEF4}" type="datetimeFigureOut">
               <a:rPr lang="en-US" smtClean="0"/>
-              <a:t>5/14/20</a:t>
+              <a:t>5/18/20</a:t>
             </a:fld>
             <a:endParaRPr lang="en-US"/>
           </a:p>
@@ -1170,7 +1170,7 @@
           <a:p>
             <a:fld id="{FE958F5B-3154-2A43-8D52-62B33F0CCEF4}" type="datetimeFigureOut">
               <a:rPr lang="en-US" smtClean="0"/>
-              <a:t>5/14/20</a:t>
+              <a:t>5/18/20</a:t>
             </a:fld>
             <a:endParaRPr lang="en-US"/>
           </a:p>
@@ -1435,7 +1435,7 @@
           <a:p>
             <a:fld id="{FE958F5B-3154-2A43-8D52-62B33F0CCEF4}" type="datetimeFigureOut">
               <a:rPr lang="en-US" smtClean="0"/>
-              <a:t>5/14/20</a:t>
+              <a:t>5/18/20</a:t>
             </a:fld>
             <a:endParaRPr lang="en-US"/>
           </a:p>
@@ -1847,7 +1847,7 @@
           <a:p>
             <a:fld id="{FE958F5B-3154-2A43-8D52-62B33F0CCEF4}" type="datetimeFigureOut">
               <a:rPr lang="en-US" smtClean="0"/>
-              <a:t>5/14/20</a:t>
+              <a:t>5/18/20</a:t>
             </a:fld>
             <a:endParaRPr lang="en-US"/>
           </a:p>
@@ -1988,7 +1988,7 @@
           <a:p>
             <a:fld id="{FE958F5B-3154-2A43-8D52-62B33F0CCEF4}" type="datetimeFigureOut">
               <a:rPr lang="en-US" smtClean="0"/>
-              <a:t>5/14/20</a:t>
+              <a:t>5/18/20</a:t>
             </a:fld>
             <a:endParaRPr lang="en-US"/>
           </a:p>
@@ -2101,7 +2101,7 @@
           <a:p>
             <a:fld id="{FE958F5B-3154-2A43-8D52-62B33F0CCEF4}" type="datetimeFigureOut">
               <a:rPr lang="en-US" smtClean="0"/>
-              <a:t>5/14/20</a:t>
+              <a:t>5/18/20</a:t>
             </a:fld>
             <a:endParaRPr lang="en-US"/>
           </a:p>
@@ -2412,7 +2412,7 @@
           <a:p>
             <a:fld id="{FE958F5B-3154-2A43-8D52-62B33F0CCEF4}" type="datetimeFigureOut">
               <a:rPr lang="en-US" smtClean="0"/>
-              <a:t>5/14/20</a:t>
+              <a:t>5/18/20</a:t>
             </a:fld>
             <a:endParaRPr lang="en-US"/>
           </a:p>
@@ -2700,7 +2700,7 @@
           <a:p>
             <a:fld id="{FE958F5B-3154-2A43-8D52-62B33F0CCEF4}" type="datetimeFigureOut">
               <a:rPr lang="en-US" smtClean="0"/>
-              <a:t>5/14/20</a:t>
+              <a:t>5/18/20</a:t>
             </a:fld>
             <a:endParaRPr lang="en-US"/>
           </a:p>
@@ -2941,7 +2941,7 @@
           <a:p>
             <a:fld id="{FE958F5B-3154-2A43-8D52-62B33F0CCEF4}" type="datetimeFigureOut">
               <a:rPr lang="en-US" smtClean="0"/>
-              <a:t>5/14/20</a:t>
+              <a:t>5/18/20</a:t>
             </a:fld>
             <a:endParaRPr lang="en-US"/>
           </a:p>
@@ -8000,7 +8000,7 @@
         </p:nvSpPr>
         <p:spPr>
           <a:xfrm>
-            <a:off x="4419600" y="2844923"/>
+            <a:off x="4447309" y="1404051"/>
             <a:ext cx="7578436" cy="369332"/>
           </a:xfrm>
           <a:prstGeom prst="rect">
@@ -8078,7 +8078,7 @@
         </p:nvSpPr>
         <p:spPr>
           <a:xfrm>
-            <a:off x="4405745" y="1274618"/>
+            <a:off x="4433454" y="1884218"/>
             <a:ext cx="6871854" cy="1200329"/>
           </a:xfrm>
           <a:prstGeom prst="rect">
@@ -9969,7 +9969,7 @@
         <p:spPr>
           <a:xfrm>
             <a:off x="637309" y="1011382"/>
-            <a:ext cx="10764982" cy="4154984"/>
+            <a:ext cx="10764982" cy="5016758"/>
           </a:xfrm>
           <a:prstGeom prst="rect">
             <a:avLst/>
@@ -10047,6 +10047,35 @@
               <a:t>http://zevross.com/blog/2016/04/19/r-powered-web-applications-with-shiny-a-tutorial-and-cheat-sheet-with-40-example-apps/#eventreactive-used-to-prevent-unwanted-reactions-in-a-reactive-function</a:t>
             </a:r>
             <a:endParaRPr lang="en-US" sz="2000" dirty="0"/>
+          </a:p>
+          <a:p>
+            <a:endParaRPr lang="en-US" sz="2000" dirty="0"/>
+          </a:p>
+          <a:p>
+            <a:r>
+              <a:rPr lang="en-US" sz="2400" dirty="0"/>
+              <a:t>To create interactive documents in </a:t>
+            </a:r>
+            <a:r>
+              <a:rPr lang="en-US" sz="2400" dirty="0" err="1"/>
+              <a:t>Rmarkdown</a:t>
+            </a:r>
+            <a:r>
+              <a:rPr lang="en-US" sz="2400" dirty="0"/>
+              <a:t> using Shiny</a:t>
+            </a:r>
+          </a:p>
+          <a:p>
+            <a:r>
+              <a:rPr lang="en-US" sz="2000" dirty="0">
+                <a:hlinkClick r:id="rId5"/>
+              </a:rPr>
+              <a:t>https://blog.rstudio.com/2014/06/19/interactive-documents-an-incredibly-easy-way-to-use-shiny/</a:t>
+            </a:r>
+            <a:r>
+              <a:rPr lang="en-US" sz="2000" dirty="0"/>
+              <a:t> </a:t>
+            </a:r>
           </a:p>
           <a:p>
             <a:endParaRPr lang="en-US" sz="2400" dirty="0"/>
